--- a/docs/tomoko/midterm_presen/mid_presen.pptx
+++ b/docs/tomoko/midterm_presen/mid_presen.pptx
@@ -5,7 +5,7 @@
     <p:sldMasterId id="2147483975" r:id="rId1"/>
   </p:sldMasterIdLst>
   <p:notesMasterIdLst>
-    <p:notesMasterId r:id="rId12"/>
+    <p:notesMasterId r:id="rId13"/>
   </p:notesMasterIdLst>
   <p:sldIdLst>
     <p:sldId id="256" r:id="rId2"/>
@@ -18,6 +18,7 @@
     <p:sldId id="265" r:id="rId9"/>
     <p:sldId id="263" r:id="rId10"/>
     <p:sldId id="258" r:id="rId11"/>
+    <p:sldId id="267" r:id="rId12"/>
   </p:sldIdLst>
   <p:sldSz cx="12192000" cy="6858000"/>
   <p:notesSz cx="6858000" cy="9144000"/>
@@ -206,7 +207,7 @@
           <a:p>
             <a:fld id="{BCF8B642-7FC1-E947-9552-A4615B252889}" type="datetimeFigureOut">
               <a:rPr kumimoji="1" lang="ja-JP" altLang="en-US" smtClean="0"/>
-              <a:t>2018/9/19</a:t>
+              <a:t>2018/9/28</a:t>
             </a:fld>
             <a:endParaRPr kumimoji="1" lang="ja-JP" altLang="en-US"/>
           </a:p>
@@ -1362,7 +1363,7 @@
             <a:fld id="{5586B75A-687E-405C-8A0B-8D00578BA2C3}" type="datetimeFigureOut">
               <a:rPr lang="en-US" smtClean="0"/>
               <a:pPr/>
-              <a:t>9/19/18</a:t>
+              <a:t>9/28/18</a:t>
             </a:fld>
             <a:endParaRPr lang="en-US" dirty="0"/>
           </a:p>
@@ -1569,7 +1570,7 @@
             <a:fld id="{5586B75A-687E-405C-8A0B-8D00578BA2C3}" type="datetimeFigureOut">
               <a:rPr lang="en-US" smtClean="0"/>
               <a:pPr/>
-              <a:t>9/19/18</a:t>
+              <a:t>9/28/18</a:t>
             </a:fld>
             <a:endParaRPr lang="en-US" dirty="0"/>
           </a:p>
@@ -1786,7 +1787,7 @@
             <a:fld id="{5586B75A-687E-405C-8A0B-8D00578BA2C3}" type="datetimeFigureOut">
               <a:rPr lang="en-US" smtClean="0"/>
               <a:pPr/>
-              <a:t>9/19/18</a:t>
+              <a:t>9/28/18</a:t>
             </a:fld>
             <a:endParaRPr lang="en-US" dirty="0"/>
           </a:p>
@@ -1993,7 +1994,7 @@
             <a:fld id="{5586B75A-687E-405C-8A0B-8D00578BA2C3}" type="datetimeFigureOut">
               <a:rPr lang="en-US" smtClean="0"/>
               <a:pPr/>
-              <a:t>9/19/18</a:t>
+              <a:t>9/28/18</a:t>
             </a:fld>
             <a:endParaRPr lang="en-US" dirty="0"/>
           </a:p>
@@ -2305,7 +2306,7 @@
             <a:fld id="{5586B75A-687E-405C-8A0B-8D00578BA2C3}" type="datetimeFigureOut">
               <a:rPr lang="en-US" smtClean="0"/>
               <a:pPr/>
-              <a:t>9/19/18</a:t>
+              <a:t>9/28/18</a:t>
             </a:fld>
             <a:endParaRPr lang="en-US" dirty="0"/>
           </a:p>
@@ -2586,7 +2587,7 @@
             <a:fld id="{5586B75A-687E-405C-8A0B-8D00578BA2C3}" type="datetimeFigureOut">
               <a:rPr lang="en-US" smtClean="0"/>
               <a:pPr/>
-              <a:t>9/19/18</a:t>
+              <a:t>9/28/18</a:t>
             </a:fld>
             <a:endParaRPr lang="en-US" dirty="0"/>
           </a:p>
@@ -3084,7 +3085,7 @@
             <a:fld id="{5586B75A-687E-405C-8A0B-8D00578BA2C3}" type="datetimeFigureOut">
               <a:rPr lang="en-US" smtClean="0"/>
               <a:pPr/>
-              <a:t>9/19/18</a:t>
+              <a:t>9/28/18</a:t>
             </a:fld>
             <a:endParaRPr lang="en-US" dirty="0"/>
           </a:p>
@@ -3227,7 +3228,7 @@
             <a:fld id="{5586B75A-687E-405C-8A0B-8D00578BA2C3}" type="datetimeFigureOut">
               <a:rPr lang="en-US" smtClean="0"/>
               <a:pPr/>
-              <a:t>9/19/18</a:t>
+              <a:t>9/28/18</a:t>
             </a:fld>
             <a:endParaRPr lang="en-US" dirty="0"/>
           </a:p>
@@ -3342,7 +3343,7 @@
             <a:fld id="{5586B75A-687E-405C-8A0B-8D00578BA2C3}" type="datetimeFigureOut">
               <a:rPr lang="en-US" smtClean="0"/>
               <a:pPr/>
-              <a:t>9/19/18</a:t>
+              <a:t>9/28/18</a:t>
             </a:fld>
             <a:endParaRPr lang="en-US" dirty="0"/>
           </a:p>
@@ -3697,7 +3698,7 @@
             <a:fld id="{5586B75A-687E-405C-8A0B-8D00578BA2C3}" type="datetimeFigureOut">
               <a:rPr lang="en-US" smtClean="0"/>
               <a:pPr/>
-              <a:t>9/19/18</a:t>
+              <a:t>9/28/18</a:t>
             </a:fld>
             <a:endParaRPr lang="en-US" dirty="0"/>
           </a:p>
@@ -4022,7 +4023,7 @@
             <a:fld id="{5586B75A-687E-405C-8A0B-8D00578BA2C3}" type="datetimeFigureOut">
               <a:rPr lang="en-US" smtClean="0"/>
               <a:pPr/>
-              <a:t>9/19/18</a:t>
+              <a:t>9/28/18</a:t>
             </a:fld>
             <a:endParaRPr lang="en-US" dirty="0"/>
           </a:p>
@@ -4273,7 +4274,7 @@
             <a:fld id="{5586B75A-687E-405C-8A0B-8D00578BA2C3}" type="datetimeFigureOut">
               <a:rPr lang="en-US" smtClean="0"/>
               <a:pPr/>
-              <a:t>9/19/18</a:t>
+              <a:t>9/28/18</a:t>
             </a:fld>
             <a:endParaRPr lang="en-US" dirty="0"/>
           </a:p>
@@ -5270,6 +5271,645 @@
     <p:extLst>
       <p:ext uri="{BB962C8B-B14F-4D97-AF65-F5344CB8AC3E}">
         <p14:creationId xmlns:p14="http://schemas.microsoft.com/office/powerpoint/2010/main" val="3302818942"/>
+      </p:ext>
+    </p:extLst>
+  </p:cSld>
+  <p:clrMapOvr>
+    <a:masterClrMapping/>
+  </p:clrMapOvr>
+</p:sld>
+</file>
+
+<file path=ppt/slides/slide11.xml><?xml version="1.0" encoding="utf-8"?>
+<p:sld xmlns:a="http://schemas.openxmlformats.org/drawingml/2006/main" xmlns:r="http://schemas.openxmlformats.org/officeDocument/2006/relationships" xmlns:p="http://schemas.openxmlformats.org/presentationml/2006/main">
+  <p:cSld>
+    <p:spTree>
+      <p:nvGrpSpPr>
+        <p:cNvPr id="1" name=""/>
+        <p:cNvGrpSpPr/>
+        <p:nvPr/>
+      </p:nvGrpSpPr>
+      <p:grpSpPr>
+        <a:xfrm>
+          <a:off x="0" y="0"/>
+          <a:ext cx="0" cy="0"/>
+          <a:chOff x="0" y="0"/>
+          <a:chExt cx="0" cy="0"/>
+        </a:xfrm>
+      </p:grpSpPr>
+      <p:sp>
+        <p:nvSpPr>
+          <p:cNvPr id="2" name="正方形/長方形 1">
+            <a:extLst>
+              <a:ext uri="{FF2B5EF4-FFF2-40B4-BE49-F238E27FC236}">
+                <a16:creationId xmlns:a16="http://schemas.microsoft.com/office/drawing/2014/main" id="{4D9F04BC-73DA-054A-A84B-20758AF85362}"/>
+              </a:ext>
+            </a:extLst>
+          </p:cNvPr>
+          <p:cNvSpPr/>
+          <p:nvPr/>
+        </p:nvSpPr>
+        <p:spPr>
+          <a:xfrm>
+            <a:off x="4137285" y="2689457"/>
+            <a:ext cx="3657600" cy="1244184"/>
+          </a:xfrm>
+          <a:prstGeom prst="rect">
+            <a:avLst/>
+          </a:prstGeom>
+          <a:solidFill>
+            <a:schemeClr val="tx1"/>
+          </a:solidFill>
+          <a:ln>
+            <a:solidFill>
+              <a:schemeClr val="tx1"/>
+            </a:solidFill>
+          </a:ln>
+        </p:spPr>
+        <p:style>
+          <a:lnRef idx="2">
+            <a:schemeClr val="accent1">
+              <a:shade val="50000"/>
+            </a:schemeClr>
+          </a:lnRef>
+          <a:fillRef idx="1">
+            <a:schemeClr val="accent1"/>
+          </a:fillRef>
+          <a:effectRef idx="0">
+            <a:schemeClr val="accent1"/>
+          </a:effectRef>
+          <a:fontRef idx="minor">
+            <a:schemeClr val="lt1"/>
+          </a:fontRef>
+        </p:style>
+        <p:txBody>
+          <a:bodyPr rtlCol="0" anchor="ctr"/>
+          <a:lstStyle/>
+          <a:p>
+            <a:pPr algn="ctr"/>
+            <a:r>
+              <a:rPr kumimoji="1" lang="en-US" altLang="ja-JP" sz="4800" dirty="0" err="1"/>
+              <a:t>Github</a:t>
+            </a:r>
+            <a:endParaRPr kumimoji="1" lang="ja-JP" altLang="en-US" sz="4800"/>
+          </a:p>
+        </p:txBody>
+      </p:sp>
+      <p:sp>
+        <p:nvSpPr>
+          <p:cNvPr id="11" name="円/楕円 10">
+            <a:extLst>
+              <a:ext uri="{FF2B5EF4-FFF2-40B4-BE49-F238E27FC236}">
+                <a16:creationId xmlns:a16="http://schemas.microsoft.com/office/drawing/2014/main" id="{DA767661-5B5B-6C4C-A73D-7703EB9D4F0B}"/>
+              </a:ext>
+            </a:extLst>
+          </p:cNvPr>
+          <p:cNvSpPr/>
+          <p:nvPr/>
+        </p:nvSpPr>
+        <p:spPr>
+          <a:xfrm>
+            <a:off x="221105" y="5354273"/>
+            <a:ext cx="2575883" cy="1064302"/>
+          </a:xfrm>
+          <a:prstGeom prst="ellipse">
+            <a:avLst/>
+          </a:prstGeom>
+          <a:solidFill>
+            <a:schemeClr val="accent2"/>
+          </a:solidFill>
+          <a:ln>
+            <a:noFill/>
+          </a:ln>
+        </p:spPr>
+        <p:style>
+          <a:lnRef idx="2">
+            <a:schemeClr val="accent1">
+              <a:shade val="50000"/>
+            </a:schemeClr>
+          </a:lnRef>
+          <a:fillRef idx="1">
+            <a:schemeClr val="accent1"/>
+          </a:fillRef>
+          <a:effectRef idx="0">
+            <a:schemeClr val="accent1"/>
+          </a:effectRef>
+          <a:fontRef idx="minor">
+            <a:schemeClr val="lt1"/>
+          </a:fontRef>
+        </p:style>
+        <p:txBody>
+          <a:bodyPr rtlCol="0" anchor="ctr"/>
+          <a:lstStyle/>
+          <a:p>
+            <a:pPr algn="ctr"/>
+            <a:r>
+              <a:rPr kumimoji="1" lang="en-US" altLang="ja-JP" sz="3200" dirty="0" err="1"/>
+              <a:t>my_help</a:t>
+            </a:r>
+            <a:endParaRPr kumimoji="1" lang="ja-JP" altLang="en-US" sz="3200"/>
+          </a:p>
+        </p:txBody>
+      </p:sp>
+      <p:sp>
+        <p:nvSpPr>
+          <p:cNvPr id="12" name="円/楕円 11">
+            <a:extLst>
+              <a:ext uri="{FF2B5EF4-FFF2-40B4-BE49-F238E27FC236}">
+                <a16:creationId xmlns:a16="http://schemas.microsoft.com/office/drawing/2014/main" id="{B60093AF-3556-024F-A1BF-DEB61375AE20}"/>
+              </a:ext>
+            </a:extLst>
+          </p:cNvPr>
+          <p:cNvSpPr/>
+          <p:nvPr/>
+        </p:nvSpPr>
+        <p:spPr>
+          <a:xfrm>
+            <a:off x="3264107" y="5689203"/>
+            <a:ext cx="2491233" cy="1064302"/>
+          </a:xfrm>
+          <a:prstGeom prst="ellipse">
+            <a:avLst/>
+          </a:prstGeom>
+          <a:solidFill>
+            <a:schemeClr val="accent2"/>
+          </a:solidFill>
+          <a:ln>
+            <a:noFill/>
+          </a:ln>
+        </p:spPr>
+        <p:style>
+          <a:lnRef idx="2">
+            <a:schemeClr val="accent1">
+              <a:shade val="50000"/>
+            </a:schemeClr>
+          </a:lnRef>
+          <a:fillRef idx="1">
+            <a:schemeClr val="accent1"/>
+          </a:fillRef>
+          <a:effectRef idx="0">
+            <a:schemeClr val="accent1"/>
+          </a:effectRef>
+          <a:fontRef idx="minor">
+            <a:schemeClr val="lt1"/>
+          </a:fontRef>
+        </p:style>
+        <p:txBody>
+          <a:bodyPr rtlCol="0" anchor="ctr"/>
+          <a:lstStyle/>
+          <a:p>
+            <a:pPr algn="ctr"/>
+            <a:r>
+              <a:rPr kumimoji="1" lang="en-US" altLang="ja-JP" sz="3200" dirty="0" err="1"/>
+              <a:t>my_help</a:t>
+            </a:r>
+            <a:endParaRPr kumimoji="1" lang="ja-JP" altLang="en-US" sz="3200"/>
+          </a:p>
+        </p:txBody>
+      </p:sp>
+      <p:sp>
+        <p:nvSpPr>
+          <p:cNvPr id="13" name="円/楕円 12">
+            <a:extLst>
+              <a:ext uri="{FF2B5EF4-FFF2-40B4-BE49-F238E27FC236}">
+                <a16:creationId xmlns:a16="http://schemas.microsoft.com/office/drawing/2014/main" id="{556BDC2D-3EBC-FB42-8085-E68656C0D3FC}"/>
+              </a:ext>
+            </a:extLst>
+          </p:cNvPr>
+          <p:cNvSpPr/>
+          <p:nvPr/>
+        </p:nvSpPr>
+        <p:spPr>
+          <a:xfrm>
+            <a:off x="6640897" y="5671274"/>
+            <a:ext cx="2467243" cy="1064302"/>
+          </a:xfrm>
+          <a:prstGeom prst="ellipse">
+            <a:avLst/>
+          </a:prstGeom>
+          <a:solidFill>
+            <a:schemeClr val="accent2"/>
+          </a:solidFill>
+          <a:ln>
+            <a:noFill/>
+          </a:ln>
+        </p:spPr>
+        <p:style>
+          <a:lnRef idx="2">
+            <a:schemeClr val="accent1">
+              <a:shade val="50000"/>
+            </a:schemeClr>
+          </a:lnRef>
+          <a:fillRef idx="1">
+            <a:schemeClr val="accent1"/>
+          </a:fillRef>
+          <a:effectRef idx="0">
+            <a:schemeClr val="accent1"/>
+          </a:effectRef>
+          <a:fontRef idx="minor">
+            <a:schemeClr val="lt1"/>
+          </a:fontRef>
+        </p:style>
+        <p:txBody>
+          <a:bodyPr rtlCol="0" anchor="ctr"/>
+          <a:lstStyle/>
+          <a:p>
+            <a:pPr algn="ctr"/>
+            <a:r>
+              <a:rPr kumimoji="1" lang="en-US" altLang="ja-JP" sz="3200" dirty="0" err="1"/>
+              <a:t>my_help</a:t>
+            </a:r>
+            <a:endParaRPr kumimoji="1" lang="ja-JP" altLang="en-US" sz="3200"/>
+          </a:p>
+        </p:txBody>
+      </p:sp>
+      <p:sp>
+        <p:nvSpPr>
+          <p:cNvPr id="14" name="円/楕円 13">
+            <a:extLst>
+              <a:ext uri="{FF2B5EF4-FFF2-40B4-BE49-F238E27FC236}">
+                <a16:creationId xmlns:a16="http://schemas.microsoft.com/office/drawing/2014/main" id="{15122CF5-290E-3540-87B0-FF661465AAEC}"/>
+              </a:ext>
+            </a:extLst>
+          </p:cNvPr>
+          <p:cNvSpPr/>
+          <p:nvPr/>
+        </p:nvSpPr>
+        <p:spPr>
+          <a:xfrm>
+            <a:off x="9395012" y="5246697"/>
+            <a:ext cx="2604614" cy="1064302"/>
+          </a:xfrm>
+          <a:prstGeom prst="ellipse">
+            <a:avLst/>
+          </a:prstGeom>
+          <a:solidFill>
+            <a:schemeClr val="accent2"/>
+          </a:solidFill>
+          <a:ln>
+            <a:noFill/>
+          </a:ln>
+        </p:spPr>
+        <p:style>
+          <a:lnRef idx="2">
+            <a:schemeClr val="accent1">
+              <a:shade val="50000"/>
+            </a:schemeClr>
+          </a:lnRef>
+          <a:fillRef idx="1">
+            <a:schemeClr val="accent1"/>
+          </a:fillRef>
+          <a:effectRef idx="0">
+            <a:schemeClr val="accent1"/>
+          </a:effectRef>
+          <a:fontRef idx="minor">
+            <a:schemeClr val="lt1"/>
+          </a:fontRef>
+        </p:style>
+        <p:txBody>
+          <a:bodyPr rtlCol="0" anchor="ctr"/>
+          <a:lstStyle/>
+          <a:p>
+            <a:pPr algn="ctr"/>
+            <a:r>
+              <a:rPr kumimoji="1" lang="en-US" altLang="ja-JP" sz="3200" dirty="0" err="1"/>
+              <a:t>my_help</a:t>
+            </a:r>
+            <a:endParaRPr kumimoji="1" lang="ja-JP" altLang="en-US" sz="3200"/>
+          </a:p>
+        </p:txBody>
+      </p:sp>
+      <p:sp>
+        <p:nvSpPr>
+          <p:cNvPr id="17" name="上矢印 16">
+            <a:extLst>
+              <a:ext uri="{FF2B5EF4-FFF2-40B4-BE49-F238E27FC236}">
+                <a16:creationId xmlns:a16="http://schemas.microsoft.com/office/drawing/2014/main" id="{E143C53C-9E81-0E4B-A117-768ECDD9EDD1}"/>
+              </a:ext>
+            </a:extLst>
+          </p:cNvPr>
+          <p:cNvSpPr/>
+          <p:nvPr/>
+        </p:nvSpPr>
+        <p:spPr>
+          <a:xfrm rot="3378195">
+            <a:off x="2732444" y="3669249"/>
+            <a:ext cx="253122" cy="1877941"/>
+          </a:xfrm>
+          <a:prstGeom prst="upArrow">
+            <a:avLst>
+              <a:gd name="adj1" fmla="val 50000"/>
+              <a:gd name="adj2" fmla="val 48363"/>
+            </a:avLst>
+          </a:prstGeom>
+          <a:ln>
+            <a:noFill/>
+          </a:ln>
+        </p:spPr>
+        <p:style>
+          <a:lnRef idx="2">
+            <a:schemeClr val="accent1">
+              <a:shade val="50000"/>
+            </a:schemeClr>
+          </a:lnRef>
+          <a:fillRef idx="1">
+            <a:schemeClr val="accent1"/>
+          </a:fillRef>
+          <a:effectRef idx="0">
+            <a:schemeClr val="accent1"/>
+          </a:effectRef>
+          <a:fontRef idx="minor">
+            <a:schemeClr val="lt1"/>
+          </a:fontRef>
+        </p:style>
+        <p:txBody>
+          <a:bodyPr rtlCol="0" anchor="ctr"/>
+          <a:lstStyle/>
+          <a:p>
+            <a:pPr algn="ctr"/>
+            <a:endParaRPr kumimoji="1" lang="ja-JP" altLang="en-US"/>
+          </a:p>
+        </p:txBody>
+      </p:sp>
+      <p:sp>
+        <p:nvSpPr>
+          <p:cNvPr id="22" name="上矢印 21">
+            <a:extLst>
+              <a:ext uri="{FF2B5EF4-FFF2-40B4-BE49-F238E27FC236}">
+                <a16:creationId xmlns:a16="http://schemas.microsoft.com/office/drawing/2014/main" id="{62440CE0-008E-9445-B57B-7E0B9581FE19}"/>
+              </a:ext>
+            </a:extLst>
+          </p:cNvPr>
+          <p:cNvSpPr/>
+          <p:nvPr/>
+        </p:nvSpPr>
+        <p:spPr>
+          <a:xfrm rot="20078240">
+            <a:off x="6953210" y="4149334"/>
+            <a:ext cx="288175" cy="1523062"/>
+          </a:xfrm>
+          <a:prstGeom prst="upArrow">
+            <a:avLst>
+              <a:gd name="adj1" fmla="val 50000"/>
+              <a:gd name="adj2" fmla="val 48363"/>
+            </a:avLst>
+          </a:prstGeom>
+          <a:ln>
+            <a:noFill/>
+          </a:ln>
+        </p:spPr>
+        <p:style>
+          <a:lnRef idx="2">
+            <a:schemeClr val="accent1">
+              <a:shade val="50000"/>
+            </a:schemeClr>
+          </a:lnRef>
+          <a:fillRef idx="1">
+            <a:schemeClr val="accent1"/>
+          </a:fillRef>
+          <a:effectRef idx="0">
+            <a:schemeClr val="accent1"/>
+          </a:effectRef>
+          <a:fontRef idx="minor">
+            <a:schemeClr val="lt1"/>
+          </a:fontRef>
+        </p:style>
+        <p:txBody>
+          <a:bodyPr rtlCol="0" anchor="ctr"/>
+          <a:lstStyle/>
+          <a:p>
+            <a:pPr algn="ctr"/>
+            <a:endParaRPr kumimoji="1" lang="ja-JP" altLang="en-US"/>
+          </a:p>
+        </p:txBody>
+      </p:sp>
+      <p:sp>
+        <p:nvSpPr>
+          <p:cNvPr id="24" name="上矢印 23">
+            <a:extLst>
+              <a:ext uri="{FF2B5EF4-FFF2-40B4-BE49-F238E27FC236}">
+                <a16:creationId xmlns:a16="http://schemas.microsoft.com/office/drawing/2014/main" id="{2732DC8B-5E71-4242-8463-BD08B81E0602}"/>
+              </a:ext>
+            </a:extLst>
+          </p:cNvPr>
+          <p:cNvSpPr/>
+          <p:nvPr/>
+        </p:nvSpPr>
+        <p:spPr>
+          <a:xfrm rot="18575735">
+            <a:off x="9302301" y="3804170"/>
+            <a:ext cx="247003" cy="1775791"/>
+          </a:xfrm>
+          <a:prstGeom prst="upArrow">
+            <a:avLst>
+              <a:gd name="adj1" fmla="val 50000"/>
+              <a:gd name="adj2" fmla="val 48363"/>
+            </a:avLst>
+          </a:prstGeom>
+          <a:ln>
+            <a:noFill/>
+          </a:ln>
+        </p:spPr>
+        <p:style>
+          <a:lnRef idx="2">
+            <a:schemeClr val="accent1">
+              <a:shade val="50000"/>
+            </a:schemeClr>
+          </a:lnRef>
+          <a:fillRef idx="1">
+            <a:schemeClr val="accent1"/>
+          </a:fillRef>
+          <a:effectRef idx="0">
+            <a:schemeClr val="accent1"/>
+          </a:effectRef>
+          <a:fontRef idx="minor">
+            <a:schemeClr val="lt1"/>
+          </a:fontRef>
+        </p:style>
+        <p:txBody>
+          <a:bodyPr rtlCol="0" anchor="ctr"/>
+          <a:lstStyle/>
+          <a:p>
+            <a:pPr algn="ctr"/>
+            <a:endParaRPr kumimoji="1" lang="ja-JP" altLang="en-US"/>
+          </a:p>
+        </p:txBody>
+      </p:sp>
+      <p:sp>
+        <p:nvSpPr>
+          <p:cNvPr id="25" name="上矢印 24">
+            <a:extLst>
+              <a:ext uri="{FF2B5EF4-FFF2-40B4-BE49-F238E27FC236}">
+                <a16:creationId xmlns:a16="http://schemas.microsoft.com/office/drawing/2014/main" id="{BFC53314-25B7-AE46-8F73-D941FC91D55D}"/>
+              </a:ext>
+            </a:extLst>
+          </p:cNvPr>
+          <p:cNvSpPr/>
+          <p:nvPr/>
+        </p:nvSpPr>
+        <p:spPr>
+          <a:xfrm rot="1784973">
+            <a:off x="4821518" y="4162569"/>
+            <a:ext cx="248205" cy="1523062"/>
+          </a:xfrm>
+          <a:prstGeom prst="upArrow">
+            <a:avLst>
+              <a:gd name="adj1" fmla="val 50000"/>
+              <a:gd name="adj2" fmla="val 48363"/>
+            </a:avLst>
+          </a:prstGeom>
+          <a:ln>
+            <a:noFill/>
+          </a:ln>
+        </p:spPr>
+        <p:style>
+          <a:lnRef idx="2">
+            <a:schemeClr val="accent1">
+              <a:shade val="50000"/>
+            </a:schemeClr>
+          </a:lnRef>
+          <a:fillRef idx="1">
+            <a:schemeClr val="accent1"/>
+          </a:fillRef>
+          <a:effectRef idx="0">
+            <a:schemeClr val="accent1"/>
+          </a:effectRef>
+          <a:fontRef idx="minor">
+            <a:schemeClr val="lt1"/>
+          </a:fontRef>
+        </p:style>
+        <p:txBody>
+          <a:bodyPr rtlCol="0" anchor="ctr"/>
+          <a:lstStyle/>
+          <a:p>
+            <a:pPr algn="ctr"/>
+            <a:endParaRPr kumimoji="1" lang="ja-JP" altLang="en-US"/>
+          </a:p>
+        </p:txBody>
+      </p:sp>
+      <p:sp>
+        <p:nvSpPr>
+          <p:cNvPr id="26" name="雲 25">
+            <a:extLst>
+              <a:ext uri="{FF2B5EF4-FFF2-40B4-BE49-F238E27FC236}">
+                <a16:creationId xmlns:a16="http://schemas.microsoft.com/office/drawing/2014/main" id="{7B3C1FBA-BE80-2A4B-98D5-B38367E47758}"/>
+              </a:ext>
+            </a:extLst>
+          </p:cNvPr>
+          <p:cNvSpPr/>
+          <p:nvPr/>
+        </p:nvSpPr>
+        <p:spPr>
+          <a:xfrm>
+            <a:off x="3396838" y="212821"/>
+            <a:ext cx="5692515" cy="2079812"/>
+          </a:xfrm>
+          <a:prstGeom prst="cloud">
+            <a:avLst/>
+          </a:prstGeom>
+          <a:solidFill>
+            <a:schemeClr val="accent5">
+              <a:lumMod val="40000"/>
+              <a:lumOff val="60000"/>
+            </a:schemeClr>
+          </a:solidFill>
+          <a:ln>
+            <a:noFill/>
+          </a:ln>
+        </p:spPr>
+        <p:style>
+          <a:lnRef idx="2">
+            <a:schemeClr val="accent1">
+              <a:shade val="50000"/>
+            </a:schemeClr>
+          </a:lnRef>
+          <a:fillRef idx="1">
+            <a:schemeClr val="accent1"/>
+          </a:fillRef>
+          <a:effectRef idx="0">
+            <a:schemeClr val="accent1"/>
+          </a:effectRef>
+          <a:fontRef idx="minor">
+            <a:schemeClr val="lt1"/>
+          </a:fontRef>
+        </p:style>
+        <p:txBody>
+          <a:bodyPr rtlCol="0" anchor="ctr"/>
+          <a:lstStyle/>
+          <a:p>
+            <a:pPr algn="ctr"/>
+            <a:r>
+              <a:rPr kumimoji="1" lang="en-US" altLang="ja-JP" sz="8000" dirty="0">
+                <a:solidFill>
+                  <a:schemeClr val="tx1"/>
+                </a:solidFill>
+              </a:rPr>
+              <a:t>web</a:t>
+            </a:r>
+            <a:endParaRPr kumimoji="1" lang="ja-JP" altLang="en-US" sz="8000">
+              <a:solidFill>
+                <a:schemeClr val="tx1"/>
+              </a:solidFill>
+            </a:endParaRPr>
+          </a:p>
+        </p:txBody>
+      </p:sp>
+      <p:sp>
+        <p:nvSpPr>
+          <p:cNvPr id="27" name="上矢印 26">
+            <a:extLst>
+              <a:ext uri="{FF2B5EF4-FFF2-40B4-BE49-F238E27FC236}">
+                <a16:creationId xmlns:a16="http://schemas.microsoft.com/office/drawing/2014/main" id="{0E2D6C9F-F71F-BE49-9829-265BAE008374}"/>
+              </a:ext>
+            </a:extLst>
+          </p:cNvPr>
+          <p:cNvSpPr/>
+          <p:nvPr/>
+        </p:nvSpPr>
+        <p:spPr>
+          <a:xfrm>
+            <a:off x="4924316" y="1987832"/>
+            <a:ext cx="2372097" cy="896471"/>
+          </a:xfrm>
+          <a:prstGeom prst="upArrow">
+            <a:avLst/>
+          </a:prstGeom>
+          <a:solidFill>
+            <a:srgbClr val="FF0000"/>
+          </a:solidFill>
+          <a:ln>
+            <a:noFill/>
+          </a:ln>
+        </p:spPr>
+        <p:style>
+          <a:lnRef idx="2">
+            <a:schemeClr val="accent1">
+              <a:shade val="50000"/>
+            </a:schemeClr>
+          </a:lnRef>
+          <a:fillRef idx="1">
+            <a:schemeClr val="accent1"/>
+          </a:fillRef>
+          <a:effectRef idx="0">
+            <a:schemeClr val="accent1"/>
+          </a:effectRef>
+          <a:fontRef idx="minor">
+            <a:schemeClr val="lt1"/>
+          </a:fontRef>
+        </p:style>
+        <p:txBody>
+          <a:bodyPr rtlCol="0" anchor="ctr"/>
+          <a:lstStyle/>
+          <a:p>
+            <a:pPr algn="ctr"/>
+            <a:endParaRPr kumimoji="1" lang="ja-JP" altLang="en-US"/>
+          </a:p>
+        </p:txBody>
+      </p:sp>
+    </p:spTree>
+    <p:extLst>
+      <p:ext uri="{BB962C8B-B14F-4D97-AF65-F5344CB8AC3E}">
+        <p14:creationId xmlns:p14="http://schemas.microsoft.com/office/powerpoint/2010/main" val="2516973983"/>
       </p:ext>
     </p:extLst>
   </p:cSld>

--- a/docs/tomoko/midterm_presen/mid_presen.pptx
+++ b/docs/tomoko/midterm_presen/mid_presen.pptx
@@ -5,7 +5,7 @@
     <p:sldMasterId id="2147483975" r:id="rId1"/>
   </p:sldMasterIdLst>
   <p:notesMasterIdLst>
-    <p:notesMasterId r:id="rId13"/>
+    <p:notesMasterId r:id="rId14"/>
   </p:notesMasterIdLst>
   <p:sldIdLst>
     <p:sldId id="256" r:id="rId2"/>
@@ -19,6 +19,7 @@
     <p:sldId id="263" r:id="rId10"/>
     <p:sldId id="258" r:id="rId11"/>
     <p:sldId id="267" r:id="rId12"/>
+    <p:sldId id="268" r:id="rId13"/>
   </p:sldIdLst>
   <p:sldSz cx="12192000" cy="6858000"/>
   <p:notesSz cx="6858000" cy="9144000"/>
@@ -5311,7 +5312,7 @@
         </p:nvSpPr>
         <p:spPr>
           <a:xfrm>
-            <a:off x="4137285" y="2689457"/>
+            <a:off x="4281564" y="2869585"/>
             <a:ext cx="3657600" cy="1244184"/>
           </a:xfrm>
           <a:prstGeom prst="rect">
@@ -5789,10 +5790,10 @@
       </p:sp>
       <p:sp>
         <p:nvSpPr>
-          <p:cNvPr id="26" name="雲 25">
-            <a:extLst>
-              <a:ext uri="{FF2B5EF4-FFF2-40B4-BE49-F238E27FC236}">
-                <a16:creationId xmlns:a16="http://schemas.microsoft.com/office/drawing/2014/main" id="{7B3C1FBA-BE80-2A4B-98D5-B38367E47758}"/>
+          <p:cNvPr id="28" name="円/楕円 27">
+            <a:extLst>
+              <a:ext uri="{FF2B5EF4-FFF2-40B4-BE49-F238E27FC236}">
+                <a16:creationId xmlns:a16="http://schemas.microsoft.com/office/drawing/2014/main" id="{423EEC2E-F8CE-4E42-8A1A-B34B50C06CD3}"/>
               </a:ext>
             </a:extLst>
           </p:cNvPr>
@@ -5801,14 +5802,14 @@
         </p:nvSpPr>
         <p:spPr>
           <a:xfrm>
-            <a:off x="3396838" y="212821"/>
-            <a:ext cx="5692515" cy="2079812"/>
+            <a:off x="2999610" y="93267"/>
+            <a:ext cx="6221506" cy="2061882"/>
           </a:xfrm>
-          <a:prstGeom prst="cloud">
+          <a:prstGeom prst="ellipse">
             <a:avLst/>
           </a:prstGeom>
           <a:solidFill>
-            <a:schemeClr val="accent5">
+            <a:schemeClr val="accent1">
               <a:lumMod val="40000"/>
               <a:lumOff val="60000"/>
             </a:schemeClr>
@@ -5839,14 +5840,14 @@
           <a:p>
             <a:pPr algn="ctr"/>
             <a:r>
-              <a:rPr kumimoji="1" lang="en-US" altLang="ja-JP" sz="8000" dirty="0">
+              <a:rPr kumimoji="1" lang="en-US" altLang="ja-JP" sz="9600" dirty="0">
                 <a:solidFill>
                   <a:schemeClr val="tx1"/>
                 </a:solidFill>
               </a:rPr>
               <a:t>web</a:t>
             </a:r>
-            <a:endParaRPr kumimoji="1" lang="ja-JP" altLang="en-US" sz="8000">
+            <a:endParaRPr kumimoji="1" lang="ja-JP" altLang="en-US" sz="9600">
               <a:solidFill>
                 <a:schemeClr val="tx1"/>
               </a:solidFill>
@@ -5868,8 +5869,8 @@
         </p:nvSpPr>
         <p:spPr>
           <a:xfrm>
-            <a:off x="4924316" y="1987832"/>
-            <a:ext cx="2372097" cy="896471"/>
+            <a:off x="4924315" y="1739153"/>
+            <a:ext cx="2372097" cy="1219563"/>
           </a:xfrm>
           <a:prstGeom prst="upArrow">
             <a:avLst/>
@@ -5910,6 +5911,536 @@
     <p:extLst>
       <p:ext uri="{BB962C8B-B14F-4D97-AF65-F5344CB8AC3E}">
         <p14:creationId xmlns:p14="http://schemas.microsoft.com/office/powerpoint/2010/main" val="2516973983"/>
+      </p:ext>
+    </p:extLst>
+  </p:cSld>
+  <p:clrMapOvr>
+    <a:masterClrMapping/>
+  </p:clrMapOvr>
+  <p:timing>
+    <p:tnLst>
+      <p:par>
+        <p:cTn id="1" dur="indefinite" restart="never" nodeType="tmRoot">
+          <p:childTnLst>
+            <p:seq concurrent="1" nextAc="seek">
+              <p:cTn id="2" dur="indefinite" nodeType="mainSeq">
+                <p:childTnLst>
+                  <p:par>
+                    <p:cTn id="3" fill="hold">
+                      <p:stCondLst>
+                        <p:cond delay="indefinite"/>
+                      </p:stCondLst>
+                      <p:childTnLst>
+                        <p:par>
+                          <p:cTn id="4" fill="hold">
+                            <p:stCondLst>
+                              <p:cond delay="0"/>
+                            </p:stCondLst>
+                            <p:childTnLst>
+                              <p:par>
+                                <p:cTn id="5" presetID="9" presetClass="entr" presetSubtype="0" fill="hold" grpId="0" nodeType="clickEffect">
+                                  <p:stCondLst>
+                                    <p:cond delay="0"/>
+                                  </p:stCondLst>
+                                  <p:childTnLst>
+                                    <p:set>
+                                      <p:cBhvr>
+                                        <p:cTn id="6" dur="1" fill="hold">
+                                          <p:stCondLst>
+                                            <p:cond delay="0"/>
+                                          </p:stCondLst>
+                                        </p:cTn>
+                                        <p:tgtEl>
+                                          <p:spTgt spid="11"/>
+                                        </p:tgtEl>
+                                        <p:attrNameLst>
+                                          <p:attrName>style.visibility</p:attrName>
+                                        </p:attrNameLst>
+                                      </p:cBhvr>
+                                      <p:to>
+                                        <p:strVal val="visible"/>
+                                      </p:to>
+                                    </p:set>
+                                    <p:animEffect transition="in" filter="dissolve">
+                                      <p:cBhvr>
+                                        <p:cTn id="7" dur="500"/>
+                                        <p:tgtEl>
+                                          <p:spTgt spid="11"/>
+                                        </p:tgtEl>
+                                      </p:cBhvr>
+                                    </p:animEffect>
+                                  </p:childTnLst>
+                                </p:cTn>
+                              </p:par>
+                              <p:par>
+                                <p:cTn id="8" presetID="9" presetClass="entr" presetSubtype="0" fill="hold" grpId="0" nodeType="withEffect">
+                                  <p:stCondLst>
+                                    <p:cond delay="0"/>
+                                  </p:stCondLst>
+                                  <p:childTnLst>
+                                    <p:set>
+                                      <p:cBhvr>
+                                        <p:cTn id="9" dur="1" fill="hold">
+                                          <p:stCondLst>
+                                            <p:cond delay="0"/>
+                                          </p:stCondLst>
+                                        </p:cTn>
+                                        <p:tgtEl>
+                                          <p:spTgt spid="12"/>
+                                        </p:tgtEl>
+                                        <p:attrNameLst>
+                                          <p:attrName>style.visibility</p:attrName>
+                                        </p:attrNameLst>
+                                      </p:cBhvr>
+                                      <p:to>
+                                        <p:strVal val="visible"/>
+                                      </p:to>
+                                    </p:set>
+                                    <p:animEffect transition="in" filter="dissolve">
+                                      <p:cBhvr>
+                                        <p:cTn id="10" dur="500"/>
+                                        <p:tgtEl>
+                                          <p:spTgt spid="12"/>
+                                        </p:tgtEl>
+                                      </p:cBhvr>
+                                    </p:animEffect>
+                                  </p:childTnLst>
+                                </p:cTn>
+                              </p:par>
+                              <p:par>
+                                <p:cTn id="11" presetID="9" presetClass="entr" presetSubtype="0" fill="hold" grpId="0" nodeType="withEffect">
+                                  <p:stCondLst>
+                                    <p:cond delay="0"/>
+                                  </p:stCondLst>
+                                  <p:childTnLst>
+                                    <p:set>
+                                      <p:cBhvr>
+                                        <p:cTn id="12" dur="1" fill="hold">
+                                          <p:stCondLst>
+                                            <p:cond delay="0"/>
+                                          </p:stCondLst>
+                                        </p:cTn>
+                                        <p:tgtEl>
+                                          <p:spTgt spid="13"/>
+                                        </p:tgtEl>
+                                        <p:attrNameLst>
+                                          <p:attrName>style.visibility</p:attrName>
+                                        </p:attrNameLst>
+                                      </p:cBhvr>
+                                      <p:to>
+                                        <p:strVal val="visible"/>
+                                      </p:to>
+                                    </p:set>
+                                    <p:animEffect transition="in" filter="dissolve">
+                                      <p:cBhvr>
+                                        <p:cTn id="13" dur="500"/>
+                                        <p:tgtEl>
+                                          <p:spTgt spid="13"/>
+                                        </p:tgtEl>
+                                      </p:cBhvr>
+                                    </p:animEffect>
+                                  </p:childTnLst>
+                                </p:cTn>
+                              </p:par>
+                              <p:par>
+                                <p:cTn id="14" presetID="9" presetClass="entr" presetSubtype="0" fill="hold" grpId="0" nodeType="withEffect">
+                                  <p:stCondLst>
+                                    <p:cond delay="0"/>
+                                  </p:stCondLst>
+                                  <p:childTnLst>
+                                    <p:set>
+                                      <p:cBhvr>
+                                        <p:cTn id="15" dur="1" fill="hold">
+                                          <p:stCondLst>
+                                            <p:cond delay="0"/>
+                                          </p:stCondLst>
+                                        </p:cTn>
+                                        <p:tgtEl>
+                                          <p:spTgt spid="14"/>
+                                        </p:tgtEl>
+                                        <p:attrNameLst>
+                                          <p:attrName>style.visibility</p:attrName>
+                                        </p:attrNameLst>
+                                      </p:cBhvr>
+                                      <p:to>
+                                        <p:strVal val="visible"/>
+                                      </p:to>
+                                    </p:set>
+                                    <p:animEffect transition="in" filter="dissolve">
+                                      <p:cBhvr>
+                                        <p:cTn id="16" dur="500"/>
+                                        <p:tgtEl>
+                                          <p:spTgt spid="14"/>
+                                        </p:tgtEl>
+                                      </p:cBhvr>
+                                    </p:animEffect>
+                                  </p:childTnLst>
+                                </p:cTn>
+                              </p:par>
+                            </p:childTnLst>
+                          </p:cTn>
+                        </p:par>
+                      </p:childTnLst>
+                    </p:cTn>
+                  </p:par>
+                  <p:par>
+                    <p:cTn id="17" fill="hold">
+                      <p:stCondLst>
+                        <p:cond delay="indefinite"/>
+                      </p:stCondLst>
+                      <p:childTnLst>
+                        <p:par>
+                          <p:cTn id="18" fill="hold">
+                            <p:stCondLst>
+                              <p:cond delay="0"/>
+                            </p:stCondLst>
+                            <p:childTnLst>
+                              <p:par>
+                                <p:cTn id="19" presetID="3" presetClass="entr" presetSubtype="10" fill="hold" grpId="0" nodeType="clickEffect">
+                                  <p:stCondLst>
+                                    <p:cond delay="0"/>
+                                  </p:stCondLst>
+                                  <p:childTnLst>
+                                    <p:set>
+                                      <p:cBhvr>
+                                        <p:cTn id="20" dur="1" fill="hold">
+                                          <p:stCondLst>
+                                            <p:cond delay="0"/>
+                                          </p:stCondLst>
+                                        </p:cTn>
+                                        <p:tgtEl>
+                                          <p:spTgt spid="2"/>
+                                        </p:tgtEl>
+                                        <p:attrNameLst>
+                                          <p:attrName>style.visibility</p:attrName>
+                                        </p:attrNameLst>
+                                      </p:cBhvr>
+                                      <p:to>
+                                        <p:strVal val="visible"/>
+                                      </p:to>
+                                    </p:set>
+                                    <p:animEffect transition="in" filter="blinds(horizontal)">
+                                      <p:cBhvr>
+                                        <p:cTn id="21" dur="500"/>
+                                        <p:tgtEl>
+                                          <p:spTgt spid="2"/>
+                                        </p:tgtEl>
+                                      </p:cBhvr>
+                                    </p:animEffect>
+                                  </p:childTnLst>
+                                </p:cTn>
+                              </p:par>
+                              <p:par>
+                                <p:cTn id="22" presetID="3" presetClass="entr" presetSubtype="10" fill="hold" grpId="0" nodeType="withEffect">
+                                  <p:stCondLst>
+                                    <p:cond delay="0"/>
+                                  </p:stCondLst>
+                                  <p:childTnLst>
+                                    <p:set>
+                                      <p:cBhvr>
+                                        <p:cTn id="23" dur="1" fill="hold">
+                                          <p:stCondLst>
+                                            <p:cond delay="0"/>
+                                          </p:stCondLst>
+                                        </p:cTn>
+                                        <p:tgtEl>
+                                          <p:spTgt spid="17"/>
+                                        </p:tgtEl>
+                                        <p:attrNameLst>
+                                          <p:attrName>style.visibility</p:attrName>
+                                        </p:attrNameLst>
+                                      </p:cBhvr>
+                                      <p:to>
+                                        <p:strVal val="visible"/>
+                                      </p:to>
+                                    </p:set>
+                                    <p:animEffect transition="in" filter="blinds(horizontal)">
+                                      <p:cBhvr>
+                                        <p:cTn id="24" dur="500"/>
+                                        <p:tgtEl>
+                                          <p:spTgt spid="17"/>
+                                        </p:tgtEl>
+                                      </p:cBhvr>
+                                    </p:animEffect>
+                                  </p:childTnLst>
+                                </p:cTn>
+                              </p:par>
+                              <p:par>
+                                <p:cTn id="25" presetID="3" presetClass="entr" presetSubtype="10" fill="hold" grpId="0" nodeType="withEffect">
+                                  <p:stCondLst>
+                                    <p:cond delay="0"/>
+                                  </p:stCondLst>
+                                  <p:childTnLst>
+                                    <p:set>
+                                      <p:cBhvr>
+                                        <p:cTn id="26" dur="1" fill="hold">
+                                          <p:stCondLst>
+                                            <p:cond delay="0"/>
+                                          </p:stCondLst>
+                                        </p:cTn>
+                                        <p:tgtEl>
+                                          <p:spTgt spid="22"/>
+                                        </p:tgtEl>
+                                        <p:attrNameLst>
+                                          <p:attrName>style.visibility</p:attrName>
+                                        </p:attrNameLst>
+                                      </p:cBhvr>
+                                      <p:to>
+                                        <p:strVal val="visible"/>
+                                      </p:to>
+                                    </p:set>
+                                    <p:animEffect transition="in" filter="blinds(horizontal)">
+                                      <p:cBhvr>
+                                        <p:cTn id="27" dur="500"/>
+                                        <p:tgtEl>
+                                          <p:spTgt spid="22"/>
+                                        </p:tgtEl>
+                                      </p:cBhvr>
+                                    </p:animEffect>
+                                  </p:childTnLst>
+                                </p:cTn>
+                              </p:par>
+                              <p:par>
+                                <p:cTn id="28" presetID="3" presetClass="entr" presetSubtype="10" fill="hold" grpId="0" nodeType="withEffect">
+                                  <p:stCondLst>
+                                    <p:cond delay="0"/>
+                                  </p:stCondLst>
+                                  <p:childTnLst>
+                                    <p:set>
+                                      <p:cBhvr>
+                                        <p:cTn id="29" dur="1" fill="hold">
+                                          <p:stCondLst>
+                                            <p:cond delay="0"/>
+                                          </p:stCondLst>
+                                        </p:cTn>
+                                        <p:tgtEl>
+                                          <p:spTgt spid="24"/>
+                                        </p:tgtEl>
+                                        <p:attrNameLst>
+                                          <p:attrName>style.visibility</p:attrName>
+                                        </p:attrNameLst>
+                                      </p:cBhvr>
+                                      <p:to>
+                                        <p:strVal val="visible"/>
+                                      </p:to>
+                                    </p:set>
+                                    <p:animEffect transition="in" filter="blinds(horizontal)">
+                                      <p:cBhvr>
+                                        <p:cTn id="30" dur="500"/>
+                                        <p:tgtEl>
+                                          <p:spTgt spid="24"/>
+                                        </p:tgtEl>
+                                      </p:cBhvr>
+                                    </p:animEffect>
+                                  </p:childTnLst>
+                                </p:cTn>
+                              </p:par>
+                              <p:par>
+                                <p:cTn id="31" presetID="3" presetClass="entr" presetSubtype="10" fill="hold" grpId="0" nodeType="withEffect">
+                                  <p:stCondLst>
+                                    <p:cond delay="0"/>
+                                  </p:stCondLst>
+                                  <p:childTnLst>
+                                    <p:set>
+                                      <p:cBhvr>
+                                        <p:cTn id="32" dur="1" fill="hold">
+                                          <p:stCondLst>
+                                            <p:cond delay="0"/>
+                                          </p:stCondLst>
+                                        </p:cTn>
+                                        <p:tgtEl>
+                                          <p:spTgt spid="25"/>
+                                        </p:tgtEl>
+                                        <p:attrNameLst>
+                                          <p:attrName>style.visibility</p:attrName>
+                                        </p:attrNameLst>
+                                      </p:cBhvr>
+                                      <p:to>
+                                        <p:strVal val="visible"/>
+                                      </p:to>
+                                    </p:set>
+                                    <p:animEffect transition="in" filter="blinds(horizontal)">
+                                      <p:cBhvr>
+                                        <p:cTn id="33" dur="500"/>
+                                        <p:tgtEl>
+                                          <p:spTgt spid="25"/>
+                                        </p:tgtEl>
+                                      </p:cBhvr>
+                                    </p:animEffect>
+                                  </p:childTnLst>
+                                </p:cTn>
+                              </p:par>
+                            </p:childTnLst>
+                          </p:cTn>
+                        </p:par>
+                      </p:childTnLst>
+                    </p:cTn>
+                  </p:par>
+                  <p:par>
+                    <p:cTn id="34" fill="hold">
+                      <p:stCondLst>
+                        <p:cond delay="indefinite"/>
+                      </p:stCondLst>
+                      <p:childTnLst>
+                        <p:par>
+                          <p:cTn id="35" fill="hold">
+                            <p:stCondLst>
+                              <p:cond delay="0"/>
+                            </p:stCondLst>
+                            <p:childTnLst>
+                              <p:par>
+                                <p:cTn id="36" presetID="9" presetClass="entr" presetSubtype="0" fill="hold" grpId="0" nodeType="clickEffect">
+                                  <p:stCondLst>
+                                    <p:cond delay="0"/>
+                                  </p:stCondLst>
+                                  <p:childTnLst>
+                                    <p:set>
+                                      <p:cBhvr>
+                                        <p:cTn id="37" dur="1" fill="hold">
+                                          <p:stCondLst>
+                                            <p:cond delay="0"/>
+                                          </p:stCondLst>
+                                        </p:cTn>
+                                        <p:tgtEl>
+                                          <p:spTgt spid="27"/>
+                                        </p:tgtEl>
+                                        <p:attrNameLst>
+                                          <p:attrName>style.visibility</p:attrName>
+                                        </p:attrNameLst>
+                                      </p:cBhvr>
+                                      <p:to>
+                                        <p:strVal val="visible"/>
+                                      </p:to>
+                                    </p:set>
+                                    <p:animEffect transition="in" filter="dissolve">
+                                      <p:cBhvr>
+                                        <p:cTn id="38" dur="500"/>
+                                        <p:tgtEl>
+                                          <p:spTgt spid="27"/>
+                                        </p:tgtEl>
+                                      </p:cBhvr>
+                                    </p:animEffect>
+                                  </p:childTnLst>
+                                </p:cTn>
+                              </p:par>
+                            </p:childTnLst>
+                          </p:cTn>
+                        </p:par>
+                      </p:childTnLst>
+                    </p:cTn>
+                  </p:par>
+                  <p:par>
+                    <p:cTn id="39" fill="hold">
+                      <p:stCondLst>
+                        <p:cond delay="indefinite"/>
+                      </p:stCondLst>
+                      <p:childTnLst>
+                        <p:par>
+                          <p:cTn id="40" fill="hold">
+                            <p:stCondLst>
+                              <p:cond delay="0"/>
+                            </p:stCondLst>
+                            <p:childTnLst>
+                              <p:par>
+                                <p:cTn id="41" presetID="9" presetClass="entr" presetSubtype="0" fill="hold" grpId="0" nodeType="clickEffect">
+                                  <p:stCondLst>
+                                    <p:cond delay="0"/>
+                                  </p:stCondLst>
+                                  <p:childTnLst>
+                                    <p:set>
+                                      <p:cBhvr>
+                                        <p:cTn id="42" dur="1" fill="hold">
+                                          <p:stCondLst>
+                                            <p:cond delay="0"/>
+                                          </p:stCondLst>
+                                        </p:cTn>
+                                        <p:tgtEl>
+                                          <p:spTgt spid="28"/>
+                                        </p:tgtEl>
+                                        <p:attrNameLst>
+                                          <p:attrName>style.visibility</p:attrName>
+                                        </p:attrNameLst>
+                                      </p:cBhvr>
+                                      <p:to>
+                                        <p:strVal val="visible"/>
+                                      </p:to>
+                                    </p:set>
+                                    <p:animEffect transition="in" filter="dissolve">
+                                      <p:cBhvr>
+                                        <p:cTn id="43" dur="500"/>
+                                        <p:tgtEl>
+                                          <p:spTgt spid="28"/>
+                                        </p:tgtEl>
+                                      </p:cBhvr>
+                                    </p:animEffect>
+                                  </p:childTnLst>
+                                </p:cTn>
+                              </p:par>
+                            </p:childTnLst>
+                          </p:cTn>
+                        </p:par>
+                      </p:childTnLst>
+                    </p:cTn>
+                  </p:par>
+                </p:childTnLst>
+              </p:cTn>
+              <p:prevCondLst>
+                <p:cond evt="onPrev" delay="0">
+                  <p:tgtEl>
+                    <p:sldTgt/>
+                  </p:tgtEl>
+                </p:cond>
+              </p:prevCondLst>
+              <p:nextCondLst>
+                <p:cond evt="onNext" delay="0">
+                  <p:tgtEl>
+                    <p:sldTgt/>
+                  </p:tgtEl>
+                </p:cond>
+              </p:nextCondLst>
+            </p:seq>
+          </p:childTnLst>
+        </p:cTn>
+      </p:par>
+    </p:tnLst>
+    <p:bldLst>
+      <p:bldP spid="2" grpId="0" animBg="1"/>
+      <p:bldP spid="11" grpId="0" animBg="1"/>
+      <p:bldP spid="12" grpId="0" animBg="1"/>
+      <p:bldP spid="13" grpId="0" animBg="1"/>
+      <p:bldP spid="14" grpId="0" animBg="1"/>
+      <p:bldP spid="17" grpId="0" animBg="1"/>
+      <p:bldP spid="22" grpId="0" animBg="1"/>
+      <p:bldP spid="24" grpId="0" animBg="1"/>
+      <p:bldP spid="25" grpId="0" animBg="1"/>
+      <p:bldP spid="28" grpId="0" animBg="1"/>
+      <p:bldP spid="27" grpId="0" animBg="1"/>
+    </p:bldLst>
+  </p:timing>
+</p:sld>
+</file>
+
+<file path=ppt/slides/slide12.xml><?xml version="1.0" encoding="utf-8"?>
+<p:sld xmlns:a="http://schemas.openxmlformats.org/drawingml/2006/main" xmlns:r="http://schemas.openxmlformats.org/officeDocument/2006/relationships" xmlns:p="http://schemas.openxmlformats.org/presentationml/2006/main">
+  <p:cSld>
+    <p:spTree>
+      <p:nvGrpSpPr>
+        <p:cNvPr id="1" name=""/>
+        <p:cNvGrpSpPr/>
+        <p:nvPr/>
+      </p:nvGrpSpPr>
+      <p:grpSpPr>
+        <a:xfrm>
+          <a:off x="0" y="0"/>
+          <a:ext cx="0" cy="0"/>
+          <a:chOff x="0" y="0"/>
+          <a:chExt cx="0" cy="0"/>
+        </a:xfrm>
+      </p:grpSpPr>
+    </p:spTree>
+    <p:extLst>
+      <p:ext uri="{BB962C8B-B14F-4D97-AF65-F5344CB8AC3E}">
+        <p14:creationId xmlns:p14="http://schemas.microsoft.com/office/powerpoint/2010/main" val="1376890389"/>
       </p:ext>
     </p:extLst>
   </p:cSld>

--- a/docs/tomoko/midterm_presen/mid_presen.pptx
+++ b/docs/tomoko/midterm_presen/mid_presen.pptx
@@ -17,9 +17,9 @@
     <p:sldId id="264" r:id="rId8"/>
     <p:sldId id="265" r:id="rId9"/>
     <p:sldId id="263" r:id="rId10"/>
-    <p:sldId id="258" r:id="rId11"/>
-    <p:sldId id="267" r:id="rId12"/>
-    <p:sldId id="268" r:id="rId13"/>
+    <p:sldId id="267" r:id="rId11"/>
+    <p:sldId id="269" r:id="rId12"/>
+    <p:sldId id="258" r:id="rId13"/>
   </p:sldIdLst>
   <p:sldSz cx="12192000" cy="6858000"/>
   <p:notesSz cx="6858000" cy="9144000"/>
@@ -208,7 +208,7 @@
           <a:p>
             <a:fld id="{BCF8B642-7FC1-E947-9552-A4615B252889}" type="datetimeFigureOut">
               <a:rPr kumimoji="1" lang="ja-JP" altLang="en-US" smtClean="0"/>
-              <a:t>2018/9/28</a:t>
+              <a:t>2018/9/30</a:t>
             </a:fld>
             <a:endParaRPr kumimoji="1" lang="ja-JP" altLang="en-US"/>
           </a:p>
@@ -1197,7 +1197,7 @@
           <a:p>
             <a:fld id="{1ADAC0CF-44CB-154A-BAFE-E085248CAD66}" type="slidenum">
               <a:rPr kumimoji="1" lang="ja-JP" altLang="en-US" smtClean="0"/>
-              <a:t>10</a:t>
+              <a:t>12</a:t>
             </a:fld>
             <a:endParaRPr kumimoji="1" lang="ja-JP" altLang="en-US"/>
           </a:p>
@@ -1364,7 +1364,7 @@
             <a:fld id="{5586B75A-687E-405C-8A0B-8D00578BA2C3}" type="datetimeFigureOut">
               <a:rPr lang="en-US" smtClean="0"/>
               <a:pPr/>
-              <a:t>9/28/18</a:t>
+              <a:t>9/30/18</a:t>
             </a:fld>
             <a:endParaRPr lang="en-US" dirty="0"/>
           </a:p>
@@ -1571,7 +1571,7 @@
             <a:fld id="{5586B75A-687E-405C-8A0B-8D00578BA2C3}" type="datetimeFigureOut">
               <a:rPr lang="en-US" smtClean="0"/>
               <a:pPr/>
-              <a:t>9/28/18</a:t>
+              <a:t>9/30/18</a:t>
             </a:fld>
             <a:endParaRPr lang="en-US" dirty="0"/>
           </a:p>
@@ -1788,7 +1788,7 @@
             <a:fld id="{5586B75A-687E-405C-8A0B-8D00578BA2C3}" type="datetimeFigureOut">
               <a:rPr lang="en-US" smtClean="0"/>
               <a:pPr/>
-              <a:t>9/28/18</a:t>
+              <a:t>9/30/18</a:t>
             </a:fld>
             <a:endParaRPr lang="en-US" dirty="0"/>
           </a:p>
@@ -1995,7 +1995,7 @@
             <a:fld id="{5586B75A-687E-405C-8A0B-8D00578BA2C3}" type="datetimeFigureOut">
               <a:rPr lang="en-US" smtClean="0"/>
               <a:pPr/>
-              <a:t>9/28/18</a:t>
+              <a:t>9/30/18</a:t>
             </a:fld>
             <a:endParaRPr lang="en-US" dirty="0"/>
           </a:p>
@@ -2307,7 +2307,7 @@
             <a:fld id="{5586B75A-687E-405C-8A0B-8D00578BA2C3}" type="datetimeFigureOut">
               <a:rPr lang="en-US" smtClean="0"/>
               <a:pPr/>
-              <a:t>9/28/18</a:t>
+              <a:t>9/30/18</a:t>
             </a:fld>
             <a:endParaRPr lang="en-US" dirty="0"/>
           </a:p>
@@ -2588,7 +2588,7 @@
             <a:fld id="{5586B75A-687E-405C-8A0B-8D00578BA2C3}" type="datetimeFigureOut">
               <a:rPr lang="en-US" smtClean="0"/>
               <a:pPr/>
-              <a:t>9/28/18</a:t>
+              <a:t>9/30/18</a:t>
             </a:fld>
             <a:endParaRPr lang="en-US" dirty="0"/>
           </a:p>
@@ -3086,7 +3086,7 @@
             <a:fld id="{5586B75A-687E-405C-8A0B-8D00578BA2C3}" type="datetimeFigureOut">
               <a:rPr lang="en-US" smtClean="0"/>
               <a:pPr/>
-              <a:t>9/28/18</a:t>
+              <a:t>9/30/18</a:t>
             </a:fld>
             <a:endParaRPr lang="en-US" dirty="0"/>
           </a:p>
@@ -3229,7 +3229,7 @@
             <a:fld id="{5586B75A-687E-405C-8A0B-8D00578BA2C3}" type="datetimeFigureOut">
               <a:rPr lang="en-US" smtClean="0"/>
               <a:pPr/>
-              <a:t>9/28/18</a:t>
+              <a:t>9/30/18</a:t>
             </a:fld>
             <a:endParaRPr lang="en-US" dirty="0"/>
           </a:p>
@@ -3344,7 +3344,7 @@
             <a:fld id="{5586B75A-687E-405C-8A0B-8D00578BA2C3}" type="datetimeFigureOut">
               <a:rPr lang="en-US" smtClean="0"/>
               <a:pPr/>
-              <a:t>9/28/18</a:t>
+              <a:t>9/30/18</a:t>
             </a:fld>
             <a:endParaRPr lang="en-US" dirty="0"/>
           </a:p>
@@ -3699,7 +3699,7 @@
             <a:fld id="{5586B75A-687E-405C-8A0B-8D00578BA2C3}" type="datetimeFigureOut">
               <a:rPr lang="en-US" smtClean="0"/>
               <a:pPr/>
-              <a:t>9/28/18</a:t>
+              <a:t>9/30/18</a:t>
             </a:fld>
             <a:endParaRPr lang="en-US" dirty="0"/>
           </a:p>
@@ -4024,7 +4024,7 @@
             <a:fld id="{5586B75A-687E-405C-8A0B-8D00578BA2C3}" type="datetimeFigureOut">
               <a:rPr lang="en-US" smtClean="0"/>
               <a:pPr/>
-              <a:t>9/28/18</a:t>
+              <a:t>9/30/18</a:t>
             </a:fld>
             <a:endParaRPr lang="en-US" dirty="0"/>
           </a:p>
@@ -4275,7 +4275,7 @@
             <a:fld id="{5586B75A-687E-405C-8A0B-8D00578BA2C3}" type="datetimeFigureOut">
               <a:rPr lang="en-US" smtClean="0"/>
               <a:pPr/>
-              <a:t>9/28/18</a:t>
+              <a:t>9/30/18</a:t>
             </a:fld>
             <a:endParaRPr lang="en-US" dirty="0"/>
           </a:p>
@@ -4812,494 +4812,6 @@
       </p:grpSpPr>
       <p:sp>
         <p:nvSpPr>
-          <p:cNvPr id="2" name="テキスト ボックス 1">
-            <a:extLst>
-              <a:ext uri="{FF2B5EF4-FFF2-40B4-BE49-F238E27FC236}">
-                <a16:creationId xmlns:a16="http://schemas.microsoft.com/office/drawing/2014/main" id="{70781E77-2F6B-C740-B5FE-4CF20DC9AE02}"/>
-              </a:ext>
-            </a:extLst>
-          </p:cNvPr>
-          <p:cNvSpPr txBox="1"/>
-          <p:nvPr/>
-        </p:nvSpPr>
-        <p:spPr>
-          <a:xfrm>
-            <a:off x="2314289" y="323610"/>
-            <a:ext cx="7169727" cy="769441"/>
-          </a:xfrm>
-          <a:prstGeom prst="rect">
-            <a:avLst/>
-          </a:prstGeom>
-          <a:noFill/>
-        </p:spPr>
-        <p:txBody>
-          <a:bodyPr wrap="square" rtlCol="0">
-            <a:spAutoFit/>
-          </a:bodyPr>
-          <a:lstStyle/>
-          <a:p>
-            <a:pPr algn="ctr"/>
-            <a:r>
-              <a:rPr kumimoji="1" lang="ja-JP" altLang="en-US" sz="4400"/>
-              <a:t>開発目標</a:t>
-            </a:r>
-          </a:p>
-        </p:txBody>
-      </p:sp>
-      <p:sp>
-        <p:nvSpPr>
-          <p:cNvPr id="3" name="テキスト ボックス 2">
-            <a:extLst>
-              <a:ext uri="{FF2B5EF4-FFF2-40B4-BE49-F238E27FC236}">
-                <a16:creationId xmlns:a16="http://schemas.microsoft.com/office/drawing/2014/main" id="{6A83FB72-7E91-3449-913B-1789742662B0}"/>
-              </a:ext>
-            </a:extLst>
-          </p:cNvPr>
-          <p:cNvSpPr txBox="1"/>
-          <p:nvPr/>
-        </p:nvSpPr>
-        <p:spPr>
-          <a:xfrm>
-            <a:off x="1732861" y="3012322"/>
-            <a:ext cx="6598228" cy="707886"/>
-          </a:xfrm>
-          <a:prstGeom prst="rect">
-            <a:avLst/>
-          </a:prstGeom>
-          <a:noFill/>
-        </p:spPr>
-        <p:txBody>
-          <a:bodyPr wrap="square" rtlCol="0">
-            <a:spAutoFit/>
-          </a:bodyPr>
-          <a:lstStyle/>
-          <a:p>
-            <a:r>
-              <a:rPr kumimoji="1" lang="en-US" altLang="ja-JP" sz="4000" dirty="0"/>
-              <a:t>git</a:t>
-            </a:r>
-            <a:r>
-              <a:rPr kumimoji="1" lang="ja-JP" altLang="en-US" sz="4000"/>
-              <a:t>の</a:t>
-            </a:r>
-            <a:r>
-              <a:rPr kumimoji="1" lang="en-US" altLang="ja-JP" sz="4000" dirty="0"/>
-              <a:t>repository</a:t>
-            </a:r>
-            <a:endParaRPr kumimoji="1" lang="ja-JP" altLang="en-US" sz="4000"/>
-          </a:p>
-        </p:txBody>
-      </p:sp>
-      <p:sp>
-        <p:nvSpPr>
-          <p:cNvPr id="4" name="テキスト ボックス 3">
-            <a:extLst>
-              <a:ext uri="{FF2B5EF4-FFF2-40B4-BE49-F238E27FC236}">
-                <a16:creationId xmlns:a16="http://schemas.microsoft.com/office/drawing/2014/main" id="{863DF869-A6C9-D549-9DC2-220C4DB93CCC}"/>
-              </a:ext>
-            </a:extLst>
-          </p:cNvPr>
-          <p:cNvSpPr txBox="1"/>
-          <p:nvPr/>
-        </p:nvSpPr>
-        <p:spPr>
-          <a:xfrm>
-            <a:off x="1732861" y="4095068"/>
-            <a:ext cx="5878243" cy="707886"/>
-          </a:xfrm>
-          <a:prstGeom prst="rect">
-            <a:avLst/>
-          </a:prstGeom>
-          <a:noFill/>
-        </p:spPr>
-        <p:txBody>
-          <a:bodyPr wrap="square" rtlCol="0">
-            <a:spAutoFit/>
-          </a:bodyPr>
-          <a:lstStyle/>
-          <a:p>
-            <a:r>
-              <a:rPr kumimoji="1" lang="en-US" altLang="ja-JP" sz="4000" dirty="0"/>
-              <a:t>Web</a:t>
-            </a:r>
-            <a:r>
-              <a:rPr kumimoji="1" lang="ja-JP" altLang="en-US" sz="4000"/>
-              <a:t>による表示</a:t>
-            </a:r>
-          </a:p>
-        </p:txBody>
-      </p:sp>
-      <p:sp>
-        <p:nvSpPr>
-          <p:cNvPr id="5" name="テキスト ボックス 4">
-            <a:extLst>
-              <a:ext uri="{FF2B5EF4-FFF2-40B4-BE49-F238E27FC236}">
-                <a16:creationId xmlns:a16="http://schemas.microsoft.com/office/drawing/2014/main" id="{C3117551-1FFE-A94A-9787-D48D969BD39F}"/>
-              </a:ext>
-            </a:extLst>
-          </p:cNvPr>
-          <p:cNvSpPr txBox="1"/>
-          <p:nvPr/>
-        </p:nvSpPr>
-        <p:spPr>
-          <a:xfrm>
-            <a:off x="1732861" y="5753547"/>
-            <a:ext cx="7654034" cy="707886"/>
-          </a:xfrm>
-          <a:prstGeom prst="rect">
-            <a:avLst/>
-          </a:prstGeom>
-          <a:noFill/>
-        </p:spPr>
-        <p:txBody>
-          <a:bodyPr wrap="square" rtlCol="0">
-            <a:spAutoFit/>
-          </a:bodyPr>
-          <a:lstStyle/>
-          <a:p>
-            <a:r>
-              <a:rPr kumimoji="1" lang="en-US" altLang="ja-JP" sz="4000" dirty="0"/>
-              <a:t>Point</a:t>
-            </a:r>
-            <a:r>
-              <a:rPr kumimoji="1" lang="ja-JP" altLang="en-US" sz="4000"/>
-              <a:t>付加によるランク付け</a:t>
-            </a:r>
-          </a:p>
-        </p:txBody>
-      </p:sp>
-      <p:sp>
-        <p:nvSpPr>
-          <p:cNvPr id="6" name="テキスト ボックス 5">
-            <a:extLst>
-              <a:ext uri="{FF2B5EF4-FFF2-40B4-BE49-F238E27FC236}">
-                <a16:creationId xmlns:a16="http://schemas.microsoft.com/office/drawing/2014/main" id="{F3922AC5-C6C2-A142-BCD3-C16C9AE920C6}"/>
-              </a:ext>
-            </a:extLst>
-          </p:cNvPr>
-          <p:cNvSpPr txBox="1"/>
-          <p:nvPr/>
-        </p:nvSpPr>
-        <p:spPr>
-          <a:xfrm>
-            <a:off x="622852" y="1437133"/>
-            <a:ext cx="11277600" cy="1200329"/>
-          </a:xfrm>
-          <a:prstGeom prst="rect">
-            <a:avLst/>
-          </a:prstGeom>
-          <a:noFill/>
-        </p:spPr>
-        <p:txBody>
-          <a:bodyPr wrap="square" rtlCol="0">
-            <a:spAutoFit/>
-          </a:bodyPr>
-          <a:lstStyle/>
-          <a:p>
-            <a:r>
-              <a:rPr kumimoji="1" lang="en-US" altLang="ja-JP" sz="3600" dirty="0" err="1"/>
-              <a:t>my_help</a:t>
-            </a:r>
-            <a:r>
-              <a:rPr kumimoji="1" lang="ja-JP" altLang="en-US" sz="3600"/>
-              <a:t>内の知識を共有するシステムを作成する．</a:t>
-            </a:r>
-            <a:endParaRPr kumimoji="1" lang="en-US" altLang="ja-JP" sz="3600" dirty="0"/>
-          </a:p>
-          <a:p>
-            <a:r>
-              <a:rPr kumimoji="1" lang="ja-JP" altLang="en-US" sz="3600"/>
-              <a:t>それに伴い，主に以下の</a:t>
-            </a:r>
-            <a:r>
-              <a:rPr kumimoji="1" lang="en-US" altLang="ja-JP" sz="3600" dirty="0"/>
-              <a:t>3</a:t>
-            </a:r>
-            <a:r>
-              <a:rPr kumimoji="1" lang="ja-JP" altLang="en-US" sz="3600"/>
-              <a:t>点の機能を取り入れる．</a:t>
-            </a:r>
-          </a:p>
-        </p:txBody>
-      </p:sp>
-      <p:sp>
-        <p:nvSpPr>
-          <p:cNvPr id="9" name="雲 8">
-            <a:extLst>
-              <a:ext uri="{FF2B5EF4-FFF2-40B4-BE49-F238E27FC236}">
-                <a16:creationId xmlns:a16="http://schemas.microsoft.com/office/drawing/2014/main" id="{3B0152BD-3B19-0844-8384-39B3F1B64CB3}"/>
-              </a:ext>
-            </a:extLst>
-          </p:cNvPr>
-          <p:cNvSpPr/>
-          <p:nvPr/>
-        </p:nvSpPr>
-        <p:spPr>
-          <a:xfrm>
-            <a:off x="640061" y="3005994"/>
-            <a:ext cx="902525" cy="676893"/>
-          </a:xfrm>
-          <a:prstGeom prst="cloud">
-            <a:avLst/>
-          </a:prstGeom>
-          <a:solidFill>
-            <a:schemeClr val="accent4"/>
-          </a:solidFill>
-          <a:ln>
-            <a:noFill/>
-          </a:ln>
-          <a:effectLst>
-            <a:softEdge rad="50800"/>
-          </a:effectLst>
-        </p:spPr>
-        <p:style>
-          <a:lnRef idx="2">
-            <a:schemeClr val="accent1">
-              <a:shade val="50000"/>
-            </a:schemeClr>
-          </a:lnRef>
-          <a:fillRef idx="1">
-            <a:schemeClr val="accent1"/>
-          </a:fillRef>
-          <a:effectRef idx="0">
-            <a:schemeClr val="accent1"/>
-          </a:effectRef>
-          <a:fontRef idx="minor">
-            <a:schemeClr val="lt1"/>
-          </a:fontRef>
-        </p:style>
-        <p:txBody>
-          <a:bodyPr rtlCol="0" anchor="ctr"/>
-          <a:lstStyle/>
-          <a:p>
-            <a:pPr algn="ctr"/>
-            <a:endParaRPr kumimoji="1" lang="ja-JP" altLang="en-US"/>
-          </a:p>
-        </p:txBody>
-      </p:sp>
-      <p:sp>
-        <p:nvSpPr>
-          <p:cNvPr id="10" name="雲 9">
-            <a:extLst>
-              <a:ext uri="{FF2B5EF4-FFF2-40B4-BE49-F238E27FC236}">
-                <a16:creationId xmlns:a16="http://schemas.microsoft.com/office/drawing/2014/main" id="{A0776A33-803F-ED47-BD01-8DCDFE579EA9}"/>
-              </a:ext>
-            </a:extLst>
-          </p:cNvPr>
-          <p:cNvSpPr/>
-          <p:nvPr/>
-        </p:nvSpPr>
-        <p:spPr>
-          <a:xfrm>
-            <a:off x="622851" y="4110564"/>
-            <a:ext cx="902525" cy="676893"/>
-          </a:xfrm>
-          <a:prstGeom prst="cloud">
-            <a:avLst/>
-          </a:prstGeom>
-          <a:solidFill>
-            <a:schemeClr val="accent4"/>
-          </a:solidFill>
-          <a:ln>
-            <a:noFill/>
-          </a:ln>
-          <a:effectLst>
-            <a:softEdge rad="50800"/>
-          </a:effectLst>
-        </p:spPr>
-        <p:style>
-          <a:lnRef idx="2">
-            <a:schemeClr val="accent1">
-              <a:shade val="50000"/>
-            </a:schemeClr>
-          </a:lnRef>
-          <a:fillRef idx="1">
-            <a:schemeClr val="accent1"/>
-          </a:fillRef>
-          <a:effectRef idx="0">
-            <a:schemeClr val="accent1"/>
-          </a:effectRef>
-          <a:fontRef idx="minor">
-            <a:schemeClr val="lt1"/>
-          </a:fontRef>
-        </p:style>
-        <p:txBody>
-          <a:bodyPr rtlCol="0" anchor="ctr"/>
-          <a:lstStyle/>
-          <a:p>
-            <a:pPr algn="ctr"/>
-            <a:endParaRPr kumimoji="1" lang="ja-JP" altLang="en-US"/>
-          </a:p>
-        </p:txBody>
-      </p:sp>
-      <p:sp>
-        <p:nvSpPr>
-          <p:cNvPr id="11" name="雲 10">
-            <a:extLst>
-              <a:ext uri="{FF2B5EF4-FFF2-40B4-BE49-F238E27FC236}">
-                <a16:creationId xmlns:a16="http://schemas.microsoft.com/office/drawing/2014/main" id="{4ECB4129-7048-4E4A-983E-01383A891FDC}"/>
-              </a:ext>
-            </a:extLst>
-          </p:cNvPr>
-          <p:cNvSpPr/>
-          <p:nvPr/>
-        </p:nvSpPr>
-        <p:spPr>
-          <a:xfrm>
-            <a:off x="640060" y="5753547"/>
-            <a:ext cx="902525" cy="676893"/>
-          </a:xfrm>
-          <a:prstGeom prst="cloud">
-            <a:avLst/>
-          </a:prstGeom>
-          <a:solidFill>
-            <a:schemeClr val="accent4"/>
-          </a:solidFill>
-          <a:ln>
-            <a:noFill/>
-          </a:ln>
-          <a:effectLst>
-            <a:softEdge rad="50800"/>
-          </a:effectLst>
-        </p:spPr>
-        <p:style>
-          <a:lnRef idx="2">
-            <a:schemeClr val="accent1">
-              <a:shade val="50000"/>
-            </a:schemeClr>
-          </a:lnRef>
-          <a:fillRef idx="1">
-            <a:schemeClr val="accent1"/>
-          </a:fillRef>
-          <a:effectRef idx="0">
-            <a:schemeClr val="accent1"/>
-          </a:effectRef>
-          <a:fontRef idx="minor">
-            <a:schemeClr val="lt1"/>
-          </a:fontRef>
-        </p:style>
-        <p:txBody>
-          <a:bodyPr rtlCol="0" anchor="ctr"/>
-          <a:lstStyle/>
-          <a:p>
-            <a:pPr algn="ctr"/>
-            <a:endParaRPr kumimoji="1" lang="ja-JP" altLang="en-US"/>
-          </a:p>
-        </p:txBody>
-      </p:sp>
-      <p:sp>
-        <p:nvSpPr>
-          <p:cNvPr id="7" name="正方形/長方形 6">
-            <a:extLst>
-              <a:ext uri="{FF2B5EF4-FFF2-40B4-BE49-F238E27FC236}">
-                <a16:creationId xmlns:a16="http://schemas.microsoft.com/office/drawing/2014/main" id="{26284F3F-EB92-A542-9D95-17056907FB22}"/>
-              </a:ext>
-            </a:extLst>
-          </p:cNvPr>
-          <p:cNvSpPr/>
-          <p:nvPr/>
-        </p:nvSpPr>
-        <p:spPr>
-          <a:xfrm>
-            <a:off x="2716056" y="4802954"/>
-            <a:ext cx="8392041" cy="707886"/>
-          </a:xfrm>
-          <a:prstGeom prst="rect">
-            <a:avLst/>
-          </a:prstGeom>
-        </p:spPr>
-        <p:txBody>
-          <a:bodyPr wrap="none">
-            <a:spAutoFit/>
-          </a:bodyPr>
-          <a:lstStyle/>
-          <a:p>
-            <a:r>
-              <a:rPr kumimoji="1" lang="ja-JP" altLang="en-US" sz="4000"/>
-              <a:t>スキルレベルによる内容，記述選択</a:t>
-            </a:r>
-            <a:endParaRPr lang="ja-JP" altLang="en-US" sz="4000"/>
-          </a:p>
-        </p:txBody>
-      </p:sp>
-      <p:sp>
-        <p:nvSpPr>
-          <p:cNvPr id="8" name="右矢印 7">
-            <a:extLst>
-              <a:ext uri="{FF2B5EF4-FFF2-40B4-BE49-F238E27FC236}">
-                <a16:creationId xmlns:a16="http://schemas.microsoft.com/office/drawing/2014/main" id="{0D923C8C-6C13-534D-A360-FED519BF5601}"/>
-              </a:ext>
-            </a:extLst>
-          </p:cNvPr>
-          <p:cNvSpPr/>
-          <p:nvPr/>
-        </p:nvSpPr>
-        <p:spPr>
-          <a:xfrm>
-            <a:off x="1732861" y="4802954"/>
-            <a:ext cx="983195" cy="583240"/>
-          </a:xfrm>
-          <a:prstGeom prst="rightArrow">
-            <a:avLst/>
-          </a:prstGeom>
-        </p:spPr>
-        <p:style>
-          <a:lnRef idx="2">
-            <a:schemeClr val="accent1">
-              <a:shade val="50000"/>
-            </a:schemeClr>
-          </a:lnRef>
-          <a:fillRef idx="1">
-            <a:schemeClr val="accent1"/>
-          </a:fillRef>
-          <a:effectRef idx="0">
-            <a:schemeClr val="accent1"/>
-          </a:effectRef>
-          <a:fontRef idx="minor">
-            <a:schemeClr val="lt1"/>
-          </a:fontRef>
-        </p:style>
-        <p:txBody>
-          <a:bodyPr rtlCol="0" anchor="ctr"/>
-          <a:lstStyle/>
-          <a:p>
-            <a:pPr algn="ctr"/>
-            <a:endParaRPr kumimoji="1" lang="ja-JP" altLang="en-US"/>
-          </a:p>
-        </p:txBody>
-      </p:sp>
-    </p:spTree>
-    <p:extLst>
-      <p:ext uri="{BB962C8B-B14F-4D97-AF65-F5344CB8AC3E}">
-        <p14:creationId xmlns:p14="http://schemas.microsoft.com/office/powerpoint/2010/main" val="3302818942"/>
-      </p:ext>
-    </p:extLst>
-  </p:cSld>
-  <p:clrMapOvr>
-    <a:masterClrMapping/>
-  </p:clrMapOvr>
-</p:sld>
-</file>
-
-<file path=ppt/slides/slide11.xml><?xml version="1.0" encoding="utf-8"?>
-<p:sld xmlns:a="http://schemas.openxmlformats.org/drawingml/2006/main" xmlns:r="http://schemas.openxmlformats.org/officeDocument/2006/relationships" xmlns:p="http://schemas.openxmlformats.org/presentationml/2006/main">
-  <p:cSld>
-    <p:spTree>
-      <p:nvGrpSpPr>
-        <p:cNvPr id="1" name=""/>
-        <p:cNvGrpSpPr/>
-        <p:nvPr/>
-      </p:nvGrpSpPr>
-      <p:grpSpPr>
-        <a:xfrm>
-          <a:off x="0" y="0"/>
-          <a:ext cx="0" cy="0"/>
-          <a:chOff x="0" y="0"/>
-          <a:chExt cx="0" cy="0"/>
-        </a:xfrm>
-      </p:grpSpPr>
-      <p:sp>
-        <p:nvSpPr>
           <p:cNvPr id="2" name="正方形/長方形 1">
             <a:extLst>
               <a:ext uri="{FF2B5EF4-FFF2-40B4-BE49-F238E27FC236}">
@@ -5904,6 +5416,57 @@
           <a:p>
             <a:pPr algn="ctr"/>
             <a:endParaRPr kumimoji="1" lang="ja-JP" altLang="en-US"/>
+          </a:p>
+        </p:txBody>
+      </p:sp>
+      <p:sp>
+        <p:nvSpPr>
+          <p:cNvPr id="3" name="角丸四角形 2">
+            <a:extLst>
+              <a:ext uri="{FF2B5EF4-FFF2-40B4-BE49-F238E27FC236}">
+                <a16:creationId xmlns:a16="http://schemas.microsoft.com/office/drawing/2014/main" id="{A5B7C2DF-9F48-E24C-9546-75AF8CAD92FD}"/>
+              </a:ext>
+            </a:extLst>
+          </p:cNvPr>
+          <p:cNvSpPr/>
+          <p:nvPr/>
+        </p:nvSpPr>
+        <p:spPr>
+          <a:xfrm>
+            <a:off x="1792238" y="2348934"/>
+            <a:ext cx="2810702" cy="884419"/>
+          </a:xfrm>
+          <a:prstGeom prst="roundRect">
+            <a:avLst>
+              <a:gd name="adj" fmla="val 50000"/>
+            </a:avLst>
+          </a:prstGeom>
+          <a:noFill/>
+        </p:spPr>
+        <p:style>
+          <a:lnRef idx="2">
+            <a:schemeClr val="accent6"/>
+          </a:lnRef>
+          <a:fillRef idx="1">
+            <a:schemeClr val="lt1"/>
+          </a:fillRef>
+          <a:effectRef idx="0">
+            <a:schemeClr val="accent6"/>
+          </a:effectRef>
+          <a:fontRef idx="minor">
+            <a:schemeClr val="dk1"/>
+          </a:fontRef>
+        </p:style>
+        <p:txBody>
+          <a:bodyPr rtlCol="0" anchor="ctr"/>
+          <a:lstStyle/>
+          <a:p>
+            <a:pPr algn="ctr"/>
+            <a:r>
+              <a:rPr kumimoji="1" lang="en-US" altLang="ja-JP" sz="3200" dirty="0" err="1"/>
+              <a:t>our_help</a:t>
+            </a:r>
+            <a:endParaRPr kumimoji="1" lang="ja-JP" altLang="en-US" sz="3200"/>
           </a:p>
         </p:txBody>
       </p:sp>
@@ -6289,7 +5852,7 @@
                             </p:stCondLst>
                             <p:childTnLst>
                               <p:par>
-                                <p:cTn id="36" presetID="9" presetClass="entr" presetSubtype="0" fill="hold" grpId="0" nodeType="clickEffect">
+                                <p:cTn id="36" presetID="12" presetClass="entr" presetSubtype="4" fill="hold" grpId="0" nodeType="clickEffect">
                                   <p:stCondLst>
                                     <p:cond delay="0"/>
                                   </p:stCondLst>
@@ -6297,6 +5860,82 @@
                                     <p:set>
                                       <p:cBhvr>
                                         <p:cTn id="37" dur="1" fill="hold">
+                                          <p:stCondLst>
+                                            <p:cond delay="0"/>
+                                          </p:stCondLst>
+                                        </p:cTn>
+                                        <p:tgtEl>
+                                          <p:spTgt spid="3"/>
+                                        </p:tgtEl>
+                                        <p:attrNameLst>
+                                          <p:attrName>style.visibility</p:attrName>
+                                        </p:attrNameLst>
+                                      </p:cBhvr>
+                                      <p:to>
+                                        <p:strVal val="visible"/>
+                                      </p:to>
+                                    </p:set>
+                                    <p:anim calcmode="lin" valueType="num">
+                                      <p:cBhvr additive="base">
+                                        <p:cTn id="38" dur="500"/>
+                                        <p:tgtEl>
+                                          <p:spTgt spid="3"/>
+                                        </p:tgtEl>
+                                        <p:attrNameLst>
+                                          <p:attrName>ppt_y</p:attrName>
+                                        </p:attrNameLst>
+                                      </p:cBhvr>
+                                      <p:tavLst>
+                                        <p:tav tm="0">
+                                          <p:val>
+                                            <p:strVal val="#ppt_y+#ppt_h*1.125000"/>
+                                          </p:val>
+                                        </p:tav>
+                                        <p:tav tm="100000">
+                                          <p:val>
+                                            <p:strVal val="#ppt_y"/>
+                                          </p:val>
+                                        </p:tav>
+                                      </p:tavLst>
+                                    </p:anim>
+                                    <p:animEffect transition="in" filter="wipe(up)">
+                                      <p:cBhvr>
+                                        <p:cTn id="39" dur="500"/>
+                                        <p:tgtEl>
+                                          <p:spTgt spid="3"/>
+                                        </p:tgtEl>
+                                      </p:cBhvr>
+                                    </p:animEffect>
+                                  </p:childTnLst>
+                                </p:cTn>
+                              </p:par>
+                            </p:childTnLst>
+                          </p:cTn>
+                        </p:par>
+                      </p:childTnLst>
+                    </p:cTn>
+                  </p:par>
+                  <p:par>
+                    <p:cTn id="40" fill="hold">
+                      <p:stCondLst>
+                        <p:cond delay="indefinite"/>
+                      </p:stCondLst>
+                      <p:childTnLst>
+                        <p:par>
+                          <p:cTn id="41" fill="hold">
+                            <p:stCondLst>
+                              <p:cond delay="0"/>
+                            </p:stCondLst>
+                            <p:childTnLst>
+                              <p:par>
+                                <p:cTn id="42" presetID="9" presetClass="entr" presetSubtype="0" fill="hold" grpId="0" nodeType="clickEffect">
+                                  <p:stCondLst>
+                                    <p:cond delay="0"/>
+                                  </p:stCondLst>
+                                  <p:childTnLst>
+                                    <p:set>
+                                      <p:cBhvr>
+                                        <p:cTn id="43" dur="1" fill="hold">
                                           <p:stCondLst>
                                             <p:cond delay="0"/>
                                           </p:stCondLst>
@@ -6314,7 +5953,7 @@
                                     </p:set>
                                     <p:animEffect transition="in" filter="dissolve">
                                       <p:cBhvr>
-                                        <p:cTn id="38" dur="500"/>
+                                        <p:cTn id="44" dur="500"/>
                                         <p:tgtEl>
                                           <p:spTgt spid="27"/>
                                         </p:tgtEl>
@@ -6330,26 +5969,26 @@
                     </p:cTn>
                   </p:par>
                   <p:par>
-                    <p:cTn id="39" fill="hold">
+                    <p:cTn id="45" fill="hold">
                       <p:stCondLst>
                         <p:cond delay="indefinite"/>
                       </p:stCondLst>
                       <p:childTnLst>
                         <p:par>
-                          <p:cTn id="40" fill="hold">
+                          <p:cTn id="46" fill="hold">
                             <p:stCondLst>
                               <p:cond delay="0"/>
                             </p:stCondLst>
                             <p:childTnLst>
                               <p:par>
-                                <p:cTn id="41" presetID="9" presetClass="entr" presetSubtype="0" fill="hold" grpId="0" nodeType="clickEffect">
+                                <p:cTn id="47" presetID="9" presetClass="entr" presetSubtype="0" fill="hold" grpId="0" nodeType="clickEffect">
                                   <p:stCondLst>
                                     <p:cond delay="0"/>
                                   </p:stCondLst>
                                   <p:childTnLst>
                                     <p:set>
                                       <p:cBhvr>
-                                        <p:cTn id="42" dur="1" fill="hold">
+                                        <p:cTn id="48" dur="1" fill="hold">
                                           <p:stCondLst>
                                             <p:cond delay="0"/>
                                           </p:stCondLst>
@@ -6367,7 +6006,7 @@
                                     </p:set>
                                     <p:animEffect transition="in" filter="dissolve">
                                       <p:cBhvr>
-                                        <p:cTn id="43" dur="500"/>
+                                        <p:cTn id="49" dur="500"/>
                                         <p:tgtEl>
                                           <p:spTgt spid="28"/>
                                         </p:tgtEl>
@@ -6415,6 +6054,777 @@
       <p:bldP spid="25" grpId="0" animBg="1"/>
       <p:bldP spid="28" grpId="0" animBg="1"/>
       <p:bldP spid="27" grpId="0" animBg="1"/>
+      <p:bldP spid="3" grpId="0" animBg="1"/>
+    </p:bldLst>
+  </p:timing>
+</p:sld>
+</file>
+
+<file path=ppt/slides/slide11.xml><?xml version="1.0" encoding="utf-8"?>
+<p:sld xmlns:a="http://schemas.openxmlformats.org/drawingml/2006/main" xmlns:r="http://schemas.openxmlformats.org/officeDocument/2006/relationships" xmlns:p="http://schemas.openxmlformats.org/presentationml/2006/main">
+  <p:cSld>
+    <p:spTree>
+      <p:nvGrpSpPr>
+        <p:cNvPr id="1" name=""/>
+        <p:cNvGrpSpPr/>
+        <p:nvPr/>
+      </p:nvGrpSpPr>
+      <p:grpSpPr>
+        <a:xfrm>
+          <a:off x="0" y="0"/>
+          <a:ext cx="0" cy="0"/>
+          <a:chOff x="0" y="0"/>
+          <a:chExt cx="0" cy="0"/>
+        </a:xfrm>
+      </p:grpSpPr>
+      <p:sp>
+        <p:nvSpPr>
+          <p:cNvPr id="2" name="正方形/長方形 1">
+            <a:extLst>
+              <a:ext uri="{FF2B5EF4-FFF2-40B4-BE49-F238E27FC236}">
+                <a16:creationId xmlns:a16="http://schemas.microsoft.com/office/drawing/2014/main" id="{4D9F04BC-73DA-054A-A84B-20758AF85362}"/>
+              </a:ext>
+            </a:extLst>
+          </p:cNvPr>
+          <p:cNvSpPr/>
+          <p:nvPr/>
+        </p:nvSpPr>
+        <p:spPr>
+          <a:xfrm>
+            <a:off x="7553697" y="872969"/>
+            <a:ext cx="3657600" cy="1244184"/>
+          </a:xfrm>
+          <a:prstGeom prst="rect">
+            <a:avLst/>
+          </a:prstGeom>
+          <a:solidFill>
+            <a:schemeClr val="tx1"/>
+          </a:solidFill>
+          <a:ln>
+            <a:solidFill>
+              <a:schemeClr val="tx1"/>
+            </a:solidFill>
+          </a:ln>
+        </p:spPr>
+        <p:style>
+          <a:lnRef idx="2">
+            <a:schemeClr val="accent1">
+              <a:shade val="50000"/>
+            </a:schemeClr>
+          </a:lnRef>
+          <a:fillRef idx="1">
+            <a:schemeClr val="accent1"/>
+          </a:fillRef>
+          <a:effectRef idx="0">
+            <a:schemeClr val="accent1"/>
+          </a:effectRef>
+          <a:fontRef idx="minor">
+            <a:schemeClr val="lt1"/>
+          </a:fontRef>
+        </p:style>
+        <p:txBody>
+          <a:bodyPr rtlCol="0" anchor="ctr"/>
+          <a:lstStyle/>
+          <a:p>
+            <a:pPr algn="ctr"/>
+            <a:r>
+              <a:rPr kumimoji="1" lang="en-US" altLang="ja-JP" sz="4800" dirty="0" err="1"/>
+              <a:t>Github</a:t>
+            </a:r>
+            <a:endParaRPr kumimoji="1" lang="ja-JP" altLang="en-US" sz="4800"/>
+          </a:p>
+        </p:txBody>
+      </p:sp>
+      <p:sp>
+        <p:nvSpPr>
+          <p:cNvPr id="11" name="円/楕円 10">
+            <a:extLst>
+              <a:ext uri="{FF2B5EF4-FFF2-40B4-BE49-F238E27FC236}">
+                <a16:creationId xmlns:a16="http://schemas.microsoft.com/office/drawing/2014/main" id="{DA767661-5B5B-6C4C-A73D-7703EB9D4F0B}"/>
+              </a:ext>
+            </a:extLst>
+          </p:cNvPr>
+          <p:cNvSpPr/>
+          <p:nvPr/>
+        </p:nvSpPr>
+        <p:spPr>
+          <a:xfrm>
+            <a:off x="7631207" y="4886794"/>
+            <a:ext cx="3580090" cy="1411861"/>
+          </a:xfrm>
+          <a:prstGeom prst="ellipse">
+            <a:avLst/>
+          </a:prstGeom>
+          <a:solidFill>
+            <a:schemeClr val="accent2"/>
+          </a:solidFill>
+          <a:ln>
+            <a:noFill/>
+          </a:ln>
+        </p:spPr>
+        <p:style>
+          <a:lnRef idx="2">
+            <a:schemeClr val="accent1">
+              <a:shade val="50000"/>
+            </a:schemeClr>
+          </a:lnRef>
+          <a:fillRef idx="1">
+            <a:schemeClr val="accent1"/>
+          </a:fillRef>
+          <a:effectRef idx="0">
+            <a:schemeClr val="accent1"/>
+          </a:effectRef>
+          <a:fontRef idx="minor">
+            <a:schemeClr val="lt1"/>
+          </a:fontRef>
+        </p:style>
+        <p:txBody>
+          <a:bodyPr rtlCol="0" anchor="ctr"/>
+          <a:lstStyle/>
+          <a:p>
+            <a:pPr algn="ctr"/>
+            <a:r>
+              <a:rPr kumimoji="1" lang="en-US" altLang="ja-JP" sz="3200" dirty="0" err="1"/>
+              <a:t>my_help</a:t>
+            </a:r>
+            <a:endParaRPr kumimoji="1" lang="ja-JP" altLang="en-US" sz="3200"/>
+          </a:p>
+        </p:txBody>
+      </p:sp>
+      <p:sp>
+        <p:nvSpPr>
+          <p:cNvPr id="28" name="円/楕円 27">
+            <a:extLst>
+              <a:ext uri="{FF2B5EF4-FFF2-40B4-BE49-F238E27FC236}">
+                <a16:creationId xmlns:a16="http://schemas.microsoft.com/office/drawing/2014/main" id="{423EEC2E-F8CE-4E42-8A1A-B34B50C06CD3}"/>
+              </a:ext>
+            </a:extLst>
+          </p:cNvPr>
+          <p:cNvSpPr/>
+          <p:nvPr/>
+        </p:nvSpPr>
+        <p:spPr>
+          <a:xfrm>
+            <a:off x="732754" y="405160"/>
+            <a:ext cx="5062705" cy="2061882"/>
+          </a:xfrm>
+          <a:prstGeom prst="ellipse">
+            <a:avLst/>
+          </a:prstGeom>
+          <a:solidFill>
+            <a:schemeClr val="accent1">
+              <a:lumMod val="40000"/>
+              <a:lumOff val="60000"/>
+            </a:schemeClr>
+          </a:solidFill>
+          <a:ln>
+            <a:noFill/>
+          </a:ln>
+        </p:spPr>
+        <p:style>
+          <a:lnRef idx="2">
+            <a:schemeClr val="accent1">
+              <a:shade val="50000"/>
+            </a:schemeClr>
+          </a:lnRef>
+          <a:fillRef idx="1">
+            <a:schemeClr val="accent1"/>
+          </a:fillRef>
+          <a:effectRef idx="0">
+            <a:schemeClr val="accent1"/>
+          </a:effectRef>
+          <a:fontRef idx="minor">
+            <a:schemeClr val="lt1"/>
+          </a:fontRef>
+        </p:style>
+        <p:txBody>
+          <a:bodyPr rtlCol="0" anchor="ctr"/>
+          <a:lstStyle/>
+          <a:p>
+            <a:pPr algn="ctr"/>
+            <a:r>
+              <a:rPr kumimoji="1" lang="en-US" altLang="ja-JP" sz="9600" dirty="0">
+                <a:solidFill>
+                  <a:schemeClr val="tx1"/>
+                </a:solidFill>
+              </a:rPr>
+              <a:t>web</a:t>
+            </a:r>
+            <a:endParaRPr kumimoji="1" lang="ja-JP" altLang="en-US" sz="9600">
+              <a:solidFill>
+                <a:schemeClr val="tx1"/>
+              </a:solidFill>
+            </a:endParaRPr>
+          </a:p>
+        </p:txBody>
+      </p:sp>
+      <p:sp>
+        <p:nvSpPr>
+          <p:cNvPr id="3" name="角丸四角形 2">
+            <a:extLst>
+              <a:ext uri="{FF2B5EF4-FFF2-40B4-BE49-F238E27FC236}">
+                <a16:creationId xmlns:a16="http://schemas.microsoft.com/office/drawing/2014/main" id="{A5B7C2DF-9F48-E24C-9546-75AF8CAD92FD}"/>
+              </a:ext>
+            </a:extLst>
+          </p:cNvPr>
+          <p:cNvSpPr/>
+          <p:nvPr/>
+        </p:nvSpPr>
+        <p:spPr>
+          <a:xfrm>
+            <a:off x="5235546" y="192765"/>
+            <a:ext cx="2810702" cy="884419"/>
+          </a:xfrm>
+          <a:prstGeom prst="roundRect">
+            <a:avLst>
+              <a:gd name="adj" fmla="val 50000"/>
+            </a:avLst>
+          </a:prstGeom>
+          <a:noFill/>
+        </p:spPr>
+        <p:style>
+          <a:lnRef idx="2">
+            <a:schemeClr val="accent6"/>
+          </a:lnRef>
+          <a:fillRef idx="1">
+            <a:schemeClr val="lt1"/>
+          </a:fillRef>
+          <a:effectRef idx="0">
+            <a:schemeClr val="accent6"/>
+          </a:effectRef>
+          <a:fontRef idx="minor">
+            <a:schemeClr val="dk1"/>
+          </a:fontRef>
+        </p:style>
+        <p:txBody>
+          <a:bodyPr rtlCol="0" anchor="ctr"/>
+          <a:lstStyle/>
+          <a:p>
+            <a:pPr algn="ctr"/>
+            <a:r>
+              <a:rPr kumimoji="1" lang="en-US" altLang="ja-JP" sz="3200" dirty="0" err="1"/>
+              <a:t>our_help</a:t>
+            </a:r>
+            <a:endParaRPr kumimoji="1" lang="ja-JP" altLang="en-US" sz="3200"/>
+          </a:p>
+        </p:txBody>
+      </p:sp>
+      <p:sp>
+        <p:nvSpPr>
+          <p:cNvPr id="4" name="正方形/長方形 3">
+            <a:extLst>
+              <a:ext uri="{FF2B5EF4-FFF2-40B4-BE49-F238E27FC236}">
+                <a16:creationId xmlns:a16="http://schemas.microsoft.com/office/drawing/2014/main" id="{353F1EBB-ED54-4146-B68D-5A4A7880CCDF}"/>
+              </a:ext>
+            </a:extLst>
+          </p:cNvPr>
+          <p:cNvSpPr/>
+          <p:nvPr/>
+        </p:nvSpPr>
+        <p:spPr>
+          <a:xfrm>
+            <a:off x="224852" y="2679437"/>
+            <a:ext cx="3432748" cy="1229193"/>
+          </a:xfrm>
+          <a:prstGeom prst="rect">
+            <a:avLst/>
+          </a:prstGeom>
+          <a:noFill/>
+        </p:spPr>
+        <p:style>
+          <a:lnRef idx="2">
+            <a:schemeClr val="accent1">
+              <a:shade val="50000"/>
+            </a:schemeClr>
+          </a:lnRef>
+          <a:fillRef idx="1">
+            <a:schemeClr val="accent1"/>
+          </a:fillRef>
+          <a:effectRef idx="0">
+            <a:schemeClr val="accent1"/>
+          </a:effectRef>
+          <a:fontRef idx="minor">
+            <a:schemeClr val="lt1"/>
+          </a:fontRef>
+        </p:style>
+        <p:txBody>
+          <a:bodyPr rtlCol="0" anchor="ctr"/>
+          <a:lstStyle/>
+          <a:p>
+            <a:pPr algn="ctr"/>
+            <a:r>
+              <a:rPr kumimoji="1" lang="ja-JP" altLang="en-US" sz="3200">
+                <a:solidFill>
+                  <a:schemeClr val="tx1"/>
+                </a:solidFill>
+              </a:rPr>
+              <a:t>見る，選ぶ</a:t>
+            </a:r>
+          </a:p>
+        </p:txBody>
+      </p:sp>
+      <p:cxnSp>
+        <p:nvCxnSpPr>
+          <p:cNvPr id="6" name="直線コネクタ 5">
+            <a:extLst>
+              <a:ext uri="{FF2B5EF4-FFF2-40B4-BE49-F238E27FC236}">
+                <a16:creationId xmlns:a16="http://schemas.microsoft.com/office/drawing/2014/main" id="{450C29F9-CF1E-4143-9ABE-542C1CC74715}"/>
+              </a:ext>
+            </a:extLst>
+          </p:cNvPr>
+          <p:cNvCxnSpPr>
+            <a:cxnSpLocks/>
+            <a:stCxn id="4" idx="0"/>
+          </p:cNvCxnSpPr>
+          <p:nvPr/>
+        </p:nvCxnSpPr>
+        <p:spPr>
+          <a:xfrm flipV="1">
+            <a:off x="1941226" y="2117153"/>
+            <a:ext cx="1161738" cy="562284"/>
+          </a:xfrm>
+          <a:prstGeom prst="line">
+            <a:avLst/>
+          </a:prstGeom>
+        </p:spPr>
+        <p:style>
+          <a:lnRef idx="1">
+            <a:schemeClr val="accent1"/>
+          </a:lnRef>
+          <a:fillRef idx="0">
+            <a:schemeClr val="accent1"/>
+          </a:fillRef>
+          <a:effectRef idx="0">
+            <a:schemeClr val="accent1"/>
+          </a:effectRef>
+          <a:fontRef idx="minor">
+            <a:schemeClr val="tx1"/>
+          </a:fontRef>
+        </p:style>
+      </p:cxnSp>
+      <p:sp>
+        <p:nvSpPr>
+          <p:cNvPr id="9" name="下矢印 8">
+            <a:extLst>
+              <a:ext uri="{FF2B5EF4-FFF2-40B4-BE49-F238E27FC236}">
+                <a16:creationId xmlns:a16="http://schemas.microsoft.com/office/drawing/2014/main" id="{50639AB0-2539-1E4D-9D07-DAD1FE09B186}"/>
+              </a:ext>
+            </a:extLst>
+          </p:cNvPr>
+          <p:cNvSpPr/>
+          <p:nvPr/>
+        </p:nvSpPr>
+        <p:spPr>
+          <a:xfrm>
+            <a:off x="9024013" y="2147134"/>
+            <a:ext cx="794478" cy="2739660"/>
+          </a:xfrm>
+          <a:prstGeom prst="downArrow">
+            <a:avLst/>
+          </a:prstGeom>
+        </p:spPr>
+        <p:style>
+          <a:lnRef idx="2">
+            <a:schemeClr val="accent1">
+              <a:shade val="50000"/>
+            </a:schemeClr>
+          </a:lnRef>
+          <a:fillRef idx="1">
+            <a:schemeClr val="accent1"/>
+          </a:fillRef>
+          <a:effectRef idx="0">
+            <a:schemeClr val="accent1"/>
+          </a:effectRef>
+          <a:fontRef idx="minor">
+            <a:schemeClr val="lt1"/>
+          </a:fontRef>
+        </p:style>
+        <p:txBody>
+          <a:bodyPr rtlCol="0" anchor="ctr"/>
+          <a:lstStyle/>
+          <a:p>
+            <a:pPr algn="ctr"/>
+            <a:endParaRPr kumimoji="1" lang="ja-JP" altLang="en-US"/>
+          </a:p>
+        </p:txBody>
+      </p:sp>
+      <p:sp>
+        <p:nvSpPr>
+          <p:cNvPr id="23" name="正方形/長方形 22">
+            <a:extLst>
+              <a:ext uri="{FF2B5EF4-FFF2-40B4-BE49-F238E27FC236}">
+                <a16:creationId xmlns:a16="http://schemas.microsoft.com/office/drawing/2014/main" id="{7FFB65B2-9417-DD4D-949F-3B4EC7603251}"/>
+              </a:ext>
+            </a:extLst>
+          </p:cNvPr>
+          <p:cNvSpPr/>
+          <p:nvPr/>
+        </p:nvSpPr>
+        <p:spPr>
+          <a:xfrm>
+            <a:off x="4034142" y="4403306"/>
+            <a:ext cx="2803161" cy="1427868"/>
+          </a:xfrm>
+          <a:prstGeom prst="rect">
+            <a:avLst/>
+          </a:prstGeom>
+          <a:noFill/>
+        </p:spPr>
+        <p:style>
+          <a:lnRef idx="2">
+            <a:schemeClr val="accent1">
+              <a:shade val="50000"/>
+            </a:schemeClr>
+          </a:lnRef>
+          <a:fillRef idx="1">
+            <a:schemeClr val="accent1"/>
+          </a:fillRef>
+          <a:effectRef idx="0">
+            <a:schemeClr val="accent1"/>
+          </a:effectRef>
+          <a:fontRef idx="minor">
+            <a:schemeClr val="lt1"/>
+          </a:fontRef>
+        </p:style>
+        <p:txBody>
+          <a:bodyPr rtlCol="0" anchor="ctr"/>
+          <a:lstStyle/>
+          <a:p>
+            <a:pPr algn="ctr"/>
+            <a:r>
+              <a:rPr kumimoji="1" lang="en-US" altLang="ja-JP" sz="3200" dirty="0">
+                <a:solidFill>
+                  <a:schemeClr val="tx1"/>
+                </a:solidFill>
+              </a:rPr>
+              <a:t>pull</a:t>
+            </a:r>
+            <a:endParaRPr kumimoji="1" lang="ja-JP" altLang="en-US" sz="3200">
+              <a:solidFill>
+                <a:schemeClr val="tx1"/>
+              </a:solidFill>
+            </a:endParaRPr>
+          </a:p>
+        </p:txBody>
+      </p:sp>
+      <p:cxnSp>
+        <p:nvCxnSpPr>
+          <p:cNvPr id="29" name="直線コネクタ 28">
+            <a:extLst>
+              <a:ext uri="{FF2B5EF4-FFF2-40B4-BE49-F238E27FC236}">
+                <a16:creationId xmlns:a16="http://schemas.microsoft.com/office/drawing/2014/main" id="{365AC586-0CA3-CC43-84CE-ED9572C1799B}"/>
+              </a:ext>
+            </a:extLst>
+          </p:cNvPr>
+          <p:cNvCxnSpPr>
+            <a:cxnSpLocks/>
+            <a:stCxn id="23" idx="3"/>
+          </p:cNvCxnSpPr>
+          <p:nvPr/>
+        </p:nvCxnSpPr>
+        <p:spPr>
+          <a:xfrm flipV="1">
+            <a:off x="6837303" y="3522689"/>
+            <a:ext cx="1976913" cy="1594551"/>
+          </a:xfrm>
+          <a:prstGeom prst="line">
+            <a:avLst/>
+          </a:prstGeom>
+        </p:spPr>
+        <p:style>
+          <a:lnRef idx="1">
+            <a:schemeClr val="accent1"/>
+          </a:lnRef>
+          <a:fillRef idx="0">
+            <a:schemeClr val="accent1"/>
+          </a:fillRef>
+          <a:effectRef idx="0">
+            <a:schemeClr val="accent1"/>
+          </a:effectRef>
+          <a:fontRef idx="minor">
+            <a:schemeClr val="tx1"/>
+          </a:fontRef>
+        </p:style>
+      </p:cxnSp>
+    </p:spTree>
+    <p:extLst>
+      <p:ext uri="{BB962C8B-B14F-4D97-AF65-F5344CB8AC3E}">
+        <p14:creationId xmlns:p14="http://schemas.microsoft.com/office/powerpoint/2010/main" val="3617699464"/>
+      </p:ext>
+    </p:extLst>
+  </p:cSld>
+  <p:clrMapOvr>
+    <a:masterClrMapping/>
+  </p:clrMapOvr>
+  <p:timing>
+    <p:tnLst>
+      <p:par>
+        <p:cTn id="1" dur="indefinite" restart="never" nodeType="tmRoot">
+          <p:childTnLst>
+            <p:seq concurrent="1" nextAc="seek">
+              <p:cTn id="2" dur="indefinite" nodeType="mainSeq">
+                <p:childTnLst>
+                  <p:par>
+                    <p:cTn id="3" fill="hold">
+                      <p:stCondLst>
+                        <p:cond delay="indefinite"/>
+                      </p:stCondLst>
+                      <p:childTnLst>
+                        <p:par>
+                          <p:cTn id="4" fill="hold">
+                            <p:stCondLst>
+                              <p:cond delay="0"/>
+                            </p:stCondLst>
+                            <p:childTnLst>
+                              <p:par>
+                                <p:cTn id="5" presetID="9" presetClass="entr" presetSubtype="0" fill="hold" grpId="0" nodeType="clickEffect">
+                                  <p:stCondLst>
+                                    <p:cond delay="0"/>
+                                  </p:stCondLst>
+                                  <p:childTnLst>
+                                    <p:set>
+                                      <p:cBhvr>
+                                        <p:cTn id="6" dur="1" fill="hold">
+                                          <p:stCondLst>
+                                            <p:cond delay="0"/>
+                                          </p:stCondLst>
+                                        </p:cTn>
+                                        <p:tgtEl>
+                                          <p:spTgt spid="11"/>
+                                        </p:tgtEl>
+                                        <p:attrNameLst>
+                                          <p:attrName>style.visibility</p:attrName>
+                                        </p:attrNameLst>
+                                      </p:cBhvr>
+                                      <p:to>
+                                        <p:strVal val="visible"/>
+                                      </p:to>
+                                    </p:set>
+                                    <p:animEffect transition="in" filter="dissolve">
+                                      <p:cBhvr>
+                                        <p:cTn id="7" dur="500"/>
+                                        <p:tgtEl>
+                                          <p:spTgt spid="11"/>
+                                        </p:tgtEl>
+                                      </p:cBhvr>
+                                    </p:animEffect>
+                                  </p:childTnLst>
+                                </p:cTn>
+                              </p:par>
+                            </p:childTnLst>
+                          </p:cTn>
+                        </p:par>
+                      </p:childTnLst>
+                    </p:cTn>
+                  </p:par>
+                  <p:par>
+                    <p:cTn id="8" fill="hold">
+                      <p:stCondLst>
+                        <p:cond delay="indefinite"/>
+                      </p:stCondLst>
+                      <p:childTnLst>
+                        <p:par>
+                          <p:cTn id="9" fill="hold">
+                            <p:stCondLst>
+                              <p:cond delay="0"/>
+                            </p:stCondLst>
+                            <p:childTnLst>
+                              <p:par>
+                                <p:cTn id="10" presetID="3" presetClass="entr" presetSubtype="10" fill="hold" grpId="0" nodeType="clickEffect">
+                                  <p:stCondLst>
+                                    <p:cond delay="0"/>
+                                  </p:stCondLst>
+                                  <p:childTnLst>
+                                    <p:set>
+                                      <p:cBhvr>
+                                        <p:cTn id="11" dur="1" fill="hold">
+                                          <p:stCondLst>
+                                            <p:cond delay="0"/>
+                                          </p:stCondLst>
+                                        </p:cTn>
+                                        <p:tgtEl>
+                                          <p:spTgt spid="2"/>
+                                        </p:tgtEl>
+                                        <p:attrNameLst>
+                                          <p:attrName>style.visibility</p:attrName>
+                                        </p:attrNameLst>
+                                      </p:cBhvr>
+                                      <p:to>
+                                        <p:strVal val="visible"/>
+                                      </p:to>
+                                    </p:set>
+                                    <p:animEffect transition="in" filter="blinds(horizontal)">
+                                      <p:cBhvr>
+                                        <p:cTn id="12" dur="500"/>
+                                        <p:tgtEl>
+                                          <p:spTgt spid="2"/>
+                                        </p:tgtEl>
+                                      </p:cBhvr>
+                                    </p:animEffect>
+                                  </p:childTnLst>
+                                </p:cTn>
+                              </p:par>
+                            </p:childTnLst>
+                          </p:cTn>
+                        </p:par>
+                      </p:childTnLst>
+                    </p:cTn>
+                  </p:par>
+                  <p:par>
+                    <p:cTn id="13" fill="hold">
+                      <p:stCondLst>
+                        <p:cond delay="indefinite"/>
+                      </p:stCondLst>
+                      <p:childTnLst>
+                        <p:par>
+                          <p:cTn id="14" fill="hold">
+                            <p:stCondLst>
+                              <p:cond delay="0"/>
+                            </p:stCondLst>
+                            <p:childTnLst>
+                              <p:par>
+                                <p:cTn id="15" presetID="12" presetClass="entr" presetSubtype="4" fill="hold" grpId="0" nodeType="clickEffect">
+                                  <p:stCondLst>
+                                    <p:cond delay="0"/>
+                                  </p:stCondLst>
+                                  <p:childTnLst>
+                                    <p:set>
+                                      <p:cBhvr>
+                                        <p:cTn id="16" dur="1" fill="hold">
+                                          <p:stCondLst>
+                                            <p:cond delay="0"/>
+                                          </p:stCondLst>
+                                        </p:cTn>
+                                        <p:tgtEl>
+                                          <p:spTgt spid="3"/>
+                                        </p:tgtEl>
+                                        <p:attrNameLst>
+                                          <p:attrName>style.visibility</p:attrName>
+                                        </p:attrNameLst>
+                                      </p:cBhvr>
+                                      <p:to>
+                                        <p:strVal val="visible"/>
+                                      </p:to>
+                                    </p:set>
+                                    <p:anim calcmode="lin" valueType="num">
+                                      <p:cBhvr additive="base">
+                                        <p:cTn id="17" dur="500"/>
+                                        <p:tgtEl>
+                                          <p:spTgt spid="3"/>
+                                        </p:tgtEl>
+                                        <p:attrNameLst>
+                                          <p:attrName>ppt_y</p:attrName>
+                                        </p:attrNameLst>
+                                      </p:cBhvr>
+                                      <p:tavLst>
+                                        <p:tav tm="0">
+                                          <p:val>
+                                            <p:strVal val="#ppt_y+#ppt_h*1.125000"/>
+                                          </p:val>
+                                        </p:tav>
+                                        <p:tav tm="100000">
+                                          <p:val>
+                                            <p:strVal val="#ppt_y"/>
+                                          </p:val>
+                                        </p:tav>
+                                      </p:tavLst>
+                                    </p:anim>
+                                    <p:animEffect transition="in" filter="wipe(up)">
+                                      <p:cBhvr>
+                                        <p:cTn id="18" dur="500"/>
+                                        <p:tgtEl>
+                                          <p:spTgt spid="3"/>
+                                        </p:tgtEl>
+                                      </p:cBhvr>
+                                    </p:animEffect>
+                                  </p:childTnLst>
+                                </p:cTn>
+                              </p:par>
+                            </p:childTnLst>
+                          </p:cTn>
+                        </p:par>
+                      </p:childTnLst>
+                    </p:cTn>
+                  </p:par>
+                  <p:par>
+                    <p:cTn id="19" fill="hold">
+                      <p:stCondLst>
+                        <p:cond delay="indefinite"/>
+                      </p:stCondLst>
+                      <p:childTnLst>
+                        <p:par>
+                          <p:cTn id="20" fill="hold">
+                            <p:stCondLst>
+                              <p:cond delay="0"/>
+                            </p:stCondLst>
+                            <p:childTnLst>
+                              <p:par>
+                                <p:cTn id="21" presetID="9" presetClass="entr" presetSubtype="0" fill="hold" grpId="0" nodeType="clickEffect">
+                                  <p:stCondLst>
+                                    <p:cond delay="0"/>
+                                  </p:stCondLst>
+                                  <p:childTnLst>
+                                    <p:set>
+                                      <p:cBhvr>
+                                        <p:cTn id="22" dur="1" fill="hold">
+                                          <p:stCondLst>
+                                            <p:cond delay="0"/>
+                                          </p:stCondLst>
+                                        </p:cTn>
+                                        <p:tgtEl>
+                                          <p:spTgt spid="28"/>
+                                        </p:tgtEl>
+                                        <p:attrNameLst>
+                                          <p:attrName>style.visibility</p:attrName>
+                                        </p:attrNameLst>
+                                      </p:cBhvr>
+                                      <p:to>
+                                        <p:strVal val="visible"/>
+                                      </p:to>
+                                    </p:set>
+                                    <p:animEffect transition="in" filter="dissolve">
+                                      <p:cBhvr>
+                                        <p:cTn id="23" dur="500"/>
+                                        <p:tgtEl>
+                                          <p:spTgt spid="28"/>
+                                        </p:tgtEl>
+                                      </p:cBhvr>
+                                    </p:animEffect>
+                                  </p:childTnLst>
+                                </p:cTn>
+                              </p:par>
+                            </p:childTnLst>
+                          </p:cTn>
+                        </p:par>
+                      </p:childTnLst>
+                    </p:cTn>
+                  </p:par>
+                </p:childTnLst>
+              </p:cTn>
+              <p:prevCondLst>
+                <p:cond evt="onPrev" delay="0">
+                  <p:tgtEl>
+                    <p:sldTgt/>
+                  </p:tgtEl>
+                </p:cond>
+              </p:prevCondLst>
+              <p:nextCondLst>
+                <p:cond evt="onNext" delay="0">
+                  <p:tgtEl>
+                    <p:sldTgt/>
+                  </p:tgtEl>
+                </p:cond>
+              </p:nextCondLst>
+            </p:seq>
+          </p:childTnLst>
+        </p:cTn>
+      </p:par>
+    </p:tnLst>
+    <p:bldLst>
+      <p:bldP spid="2" grpId="0" animBg="1"/>
+      <p:bldP spid="11" grpId="0" animBg="1"/>
+      <p:bldP spid="28" grpId="0" animBg="1"/>
+      <p:bldP spid="3" grpId="0" animBg="1"/>
     </p:bldLst>
   </p:timing>
 </p:sld>
@@ -6437,10 +6847,288 @@
           <a:chExt cx="0" cy="0"/>
         </a:xfrm>
       </p:grpSpPr>
+      <p:sp>
+        <p:nvSpPr>
+          <p:cNvPr id="2" name="テキスト ボックス 1">
+            <a:extLst>
+              <a:ext uri="{FF2B5EF4-FFF2-40B4-BE49-F238E27FC236}">
+                <a16:creationId xmlns:a16="http://schemas.microsoft.com/office/drawing/2014/main" id="{70781E77-2F6B-C740-B5FE-4CF20DC9AE02}"/>
+              </a:ext>
+            </a:extLst>
+          </p:cNvPr>
+          <p:cNvSpPr txBox="1"/>
+          <p:nvPr/>
+        </p:nvSpPr>
+        <p:spPr>
+          <a:xfrm>
+            <a:off x="2314289" y="323610"/>
+            <a:ext cx="7169727" cy="769441"/>
+          </a:xfrm>
+          <a:prstGeom prst="rect">
+            <a:avLst/>
+          </a:prstGeom>
+          <a:noFill/>
+        </p:spPr>
+        <p:txBody>
+          <a:bodyPr wrap="square" rtlCol="0">
+            <a:spAutoFit/>
+          </a:bodyPr>
+          <a:lstStyle/>
+          <a:p>
+            <a:pPr algn="ctr"/>
+            <a:r>
+              <a:rPr kumimoji="1" lang="ja-JP" altLang="en-US" sz="4400"/>
+              <a:t>開発目標</a:t>
+            </a:r>
+          </a:p>
+        </p:txBody>
+      </p:sp>
+      <p:sp>
+        <p:nvSpPr>
+          <p:cNvPr id="4" name="テキスト ボックス 3">
+            <a:extLst>
+              <a:ext uri="{FF2B5EF4-FFF2-40B4-BE49-F238E27FC236}">
+                <a16:creationId xmlns:a16="http://schemas.microsoft.com/office/drawing/2014/main" id="{863DF869-A6C9-D549-9DC2-220C4DB93CCC}"/>
+              </a:ext>
+            </a:extLst>
+          </p:cNvPr>
+          <p:cNvSpPr txBox="1"/>
+          <p:nvPr/>
+        </p:nvSpPr>
+        <p:spPr>
+          <a:xfrm>
+            <a:off x="1732861" y="3647251"/>
+            <a:ext cx="5878243" cy="707886"/>
+          </a:xfrm>
+          <a:prstGeom prst="rect">
+            <a:avLst/>
+          </a:prstGeom>
+          <a:noFill/>
+        </p:spPr>
+        <p:txBody>
+          <a:bodyPr wrap="square" rtlCol="0">
+            <a:spAutoFit/>
+          </a:bodyPr>
+          <a:lstStyle/>
+          <a:p>
+            <a:r>
+              <a:rPr kumimoji="1" lang="en-US" altLang="ja-JP" sz="4000" dirty="0"/>
+              <a:t>Web</a:t>
+            </a:r>
+            <a:r>
+              <a:rPr kumimoji="1" lang="ja-JP" altLang="en-US" sz="4000"/>
+              <a:t>による表示</a:t>
+            </a:r>
+          </a:p>
+        </p:txBody>
+      </p:sp>
+      <p:sp>
+        <p:nvSpPr>
+          <p:cNvPr id="5" name="テキスト ボックス 4">
+            <a:extLst>
+              <a:ext uri="{FF2B5EF4-FFF2-40B4-BE49-F238E27FC236}">
+                <a16:creationId xmlns:a16="http://schemas.microsoft.com/office/drawing/2014/main" id="{C3117551-1FFE-A94A-9787-D48D969BD39F}"/>
+              </a:ext>
+            </a:extLst>
+          </p:cNvPr>
+          <p:cNvSpPr txBox="1"/>
+          <p:nvPr/>
+        </p:nvSpPr>
+        <p:spPr>
+          <a:xfrm>
+            <a:off x="1732861" y="5323608"/>
+            <a:ext cx="7654034" cy="707886"/>
+          </a:xfrm>
+          <a:prstGeom prst="rect">
+            <a:avLst/>
+          </a:prstGeom>
+          <a:noFill/>
+        </p:spPr>
+        <p:txBody>
+          <a:bodyPr wrap="square" rtlCol="0">
+            <a:spAutoFit/>
+          </a:bodyPr>
+          <a:lstStyle/>
+          <a:p>
+            <a:r>
+              <a:rPr kumimoji="1" lang="en-US" altLang="ja-JP" sz="4000" dirty="0"/>
+              <a:t>Point</a:t>
+            </a:r>
+            <a:r>
+              <a:rPr kumimoji="1" lang="ja-JP" altLang="en-US" sz="4000"/>
+              <a:t>付加によるランク付け</a:t>
+            </a:r>
+          </a:p>
+        </p:txBody>
+      </p:sp>
+      <p:sp>
+        <p:nvSpPr>
+          <p:cNvPr id="6" name="テキスト ボックス 5">
+            <a:extLst>
+              <a:ext uri="{FF2B5EF4-FFF2-40B4-BE49-F238E27FC236}">
+                <a16:creationId xmlns:a16="http://schemas.microsoft.com/office/drawing/2014/main" id="{F3922AC5-C6C2-A142-BCD3-C16C9AE920C6}"/>
+              </a:ext>
+            </a:extLst>
+          </p:cNvPr>
+          <p:cNvSpPr txBox="1"/>
+          <p:nvPr/>
+        </p:nvSpPr>
+        <p:spPr>
+          <a:xfrm>
+            <a:off x="622852" y="1437133"/>
+            <a:ext cx="11277600" cy="1200329"/>
+          </a:xfrm>
+          <a:prstGeom prst="rect">
+            <a:avLst/>
+          </a:prstGeom>
+          <a:noFill/>
+        </p:spPr>
+        <p:txBody>
+          <a:bodyPr wrap="square" rtlCol="0">
+            <a:spAutoFit/>
+          </a:bodyPr>
+          <a:lstStyle/>
+          <a:p>
+            <a:r>
+              <a:rPr kumimoji="1" lang="en-US" altLang="ja-JP" sz="3600" dirty="0" err="1"/>
+              <a:t>my_help</a:t>
+            </a:r>
+            <a:r>
+              <a:rPr kumimoji="1" lang="ja-JP" altLang="en-US" sz="3600"/>
+              <a:t>内の知識を共有するシステムを作成する．</a:t>
+            </a:r>
+            <a:endParaRPr kumimoji="1" lang="en-US" altLang="ja-JP" sz="3600" dirty="0"/>
+          </a:p>
+          <a:p>
+            <a:r>
+              <a:rPr kumimoji="1" lang="ja-JP" altLang="en-US" sz="3600"/>
+              <a:t>それに伴い，主に以下の</a:t>
+            </a:r>
+            <a:r>
+              <a:rPr kumimoji="1" lang="en-US" altLang="ja-JP" sz="3600" dirty="0"/>
+              <a:t>2</a:t>
+            </a:r>
+            <a:r>
+              <a:rPr kumimoji="1" lang="ja-JP" altLang="en-US" sz="3600"/>
+              <a:t>点の機能を取り入れる．</a:t>
+            </a:r>
+          </a:p>
+        </p:txBody>
+      </p:sp>
+      <p:sp>
+        <p:nvSpPr>
+          <p:cNvPr id="9" name="雲 8">
+            <a:extLst>
+              <a:ext uri="{FF2B5EF4-FFF2-40B4-BE49-F238E27FC236}">
+                <a16:creationId xmlns:a16="http://schemas.microsoft.com/office/drawing/2014/main" id="{3B0152BD-3B19-0844-8384-39B3F1B64CB3}"/>
+              </a:ext>
+            </a:extLst>
+          </p:cNvPr>
+          <p:cNvSpPr/>
+          <p:nvPr/>
+        </p:nvSpPr>
+        <p:spPr>
+          <a:xfrm>
+            <a:off x="622852" y="3662748"/>
+            <a:ext cx="902525" cy="676893"/>
+          </a:xfrm>
+          <a:prstGeom prst="cloud">
+            <a:avLst/>
+          </a:prstGeom>
+          <a:solidFill>
+            <a:schemeClr val="accent4"/>
+          </a:solidFill>
+          <a:ln>
+            <a:noFill/>
+          </a:ln>
+          <a:effectLst>
+            <a:softEdge rad="50800"/>
+          </a:effectLst>
+        </p:spPr>
+        <p:style>
+          <a:lnRef idx="2">
+            <a:schemeClr val="accent1">
+              <a:shade val="50000"/>
+            </a:schemeClr>
+          </a:lnRef>
+          <a:fillRef idx="1">
+            <a:schemeClr val="accent1"/>
+          </a:fillRef>
+          <a:effectRef idx="0">
+            <a:schemeClr val="accent1"/>
+          </a:effectRef>
+          <a:fontRef idx="minor">
+            <a:schemeClr val="lt1"/>
+          </a:fontRef>
+        </p:style>
+        <p:txBody>
+          <a:bodyPr rtlCol="0" anchor="ctr"/>
+          <a:lstStyle/>
+          <a:p>
+            <a:pPr algn="ctr"/>
+            <a:endParaRPr kumimoji="1" lang="ja-JP" altLang="en-US"/>
+          </a:p>
+        </p:txBody>
+      </p:sp>
+      <p:sp>
+        <p:nvSpPr>
+          <p:cNvPr id="11" name="雲 10">
+            <a:extLst>
+              <a:ext uri="{FF2B5EF4-FFF2-40B4-BE49-F238E27FC236}">
+                <a16:creationId xmlns:a16="http://schemas.microsoft.com/office/drawing/2014/main" id="{4ECB4129-7048-4E4A-983E-01383A891FDC}"/>
+              </a:ext>
+            </a:extLst>
+          </p:cNvPr>
+          <p:cNvSpPr/>
+          <p:nvPr/>
+        </p:nvSpPr>
+        <p:spPr>
+          <a:xfrm>
+            <a:off x="655494" y="5355140"/>
+            <a:ext cx="902525" cy="676893"/>
+          </a:xfrm>
+          <a:prstGeom prst="cloud">
+            <a:avLst/>
+          </a:prstGeom>
+          <a:solidFill>
+            <a:schemeClr val="accent4"/>
+          </a:solidFill>
+          <a:ln>
+            <a:noFill/>
+          </a:ln>
+          <a:effectLst>
+            <a:softEdge rad="50800"/>
+          </a:effectLst>
+        </p:spPr>
+        <p:style>
+          <a:lnRef idx="2">
+            <a:schemeClr val="accent1">
+              <a:shade val="50000"/>
+            </a:schemeClr>
+          </a:lnRef>
+          <a:fillRef idx="1">
+            <a:schemeClr val="accent1"/>
+          </a:fillRef>
+          <a:effectRef idx="0">
+            <a:schemeClr val="accent1"/>
+          </a:effectRef>
+          <a:fontRef idx="minor">
+            <a:schemeClr val="lt1"/>
+          </a:fontRef>
+        </p:style>
+        <p:txBody>
+          <a:bodyPr rtlCol="0" anchor="ctr"/>
+          <a:lstStyle/>
+          <a:p>
+            <a:pPr algn="ctr"/>
+            <a:endParaRPr kumimoji="1" lang="ja-JP" altLang="en-US"/>
+          </a:p>
+        </p:txBody>
+      </p:sp>
     </p:spTree>
     <p:extLst>
       <p:ext uri="{BB962C8B-B14F-4D97-AF65-F5344CB8AC3E}">
-        <p14:creationId xmlns:p14="http://schemas.microsoft.com/office/powerpoint/2010/main" val="1376890389"/>
+        <p14:creationId xmlns:p14="http://schemas.microsoft.com/office/powerpoint/2010/main" val="3302818942"/>
       </p:ext>
     </p:extLst>
   </p:cSld>
@@ -7379,7 +8067,7 @@
 </file>
 
 <file path=ppt/slides/slide6.xml><?xml version="1.0" encoding="utf-8"?>
-<p:sld xmlns:a="http://schemas.openxmlformats.org/drawingml/2006/main" xmlns:r="http://schemas.openxmlformats.org/officeDocument/2006/relationships" xmlns:p="http://schemas.openxmlformats.org/presentationml/2006/main">
+<p:sld xmlns:a="http://schemas.openxmlformats.org/drawingml/2006/main" xmlns:r="http://schemas.openxmlformats.org/officeDocument/2006/relationships" xmlns:p="http://schemas.openxmlformats.org/presentationml/2006/main" show="0">
   <p:cSld>
     <p:spTree>
       <p:nvGrpSpPr>
@@ -7551,7 +8239,7 @@
 </file>
 
 <file path=ppt/slides/slide7.xml><?xml version="1.0" encoding="utf-8"?>
-<p:sld xmlns:a="http://schemas.openxmlformats.org/drawingml/2006/main" xmlns:r="http://schemas.openxmlformats.org/officeDocument/2006/relationships" xmlns:p="http://schemas.openxmlformats.org/presentationml/2006/main">
+<p:sld xmlns:a="http://schemas.openxmlformats.org/drawingml/2006/main" xmlns:r="http://schemas.openxmlformats.org/officeDocument/2006/relationships" xmlns:p="http://schemas.openxmlformats.org/presentationml/2006/main" show="0">
   <p:cSld>
     <p:spTree>
       <p:nvGrpSpPr>
